--- a/PPT.pptx
+++ b/PPT.pptx
@@ -38,10 +38,9 @@
     <p:sldId id="260" r:id="rId31"/>
     <p:sldId id="261" r:id="rId32"/>
     <p:sldId id="290" r:id="rId33"/>
-    <p:sldId id="291" r:id="rId34"/>
-    <p:sldId id="264" r:id="rId35"/>
-    <p:sldId id="266" r:id="rId36"/>
-    <p:sldId id="302" r:id="rId37"/>
+    <p:sldId id="264" r:id="rId34"/>
+    <p:sldId id="266" r:id="rId35"/>
+    <p:sldId id="302" r:id="rId36"/>
   </p:sldIdLst>
   <p:sldSz cx="17555845" cy="9875520"/>
   <p:notesSz cx="9875520" cy="17555845"/>
@@ -2288,84 +2287,6 @@
 </p:notes>
 </file>
 
-<file path=ppt/notesSlides/notesSlide33.xml><?xml version="1.0" encoding="utf-8"?>
-<p:notes xmlns:a="http://schemas.openxmlformats.org/drawingml/2006/main" xmlns:r="http://schemas.openxmlformats.org/officeDocument/2006/relationships" xmlns:p="http://schemas.openxmlformats.org/presentationml/2006/main">
-  <p:cSld>
-    <p:spTree>
-      <p:nvGrpSpPr>
-        <p:cNvPr id="1" name=""/>
-        <p:cNvGrpSpPr/>
-        <p:nvPr/>
-      </p:nvGrpSpPr>
-      <p:grpSpPr>
-        <a:xfrm>
-          <a:off x="0" y="0"/>
-          <a:ext cx="0" cy="0"/>
-          <a:chOff x="0" y="0"/>
-          <a:chExt cx="0" cy="0"/>
-        </a:xfrm>
-      </p:grpSpPr>
-      <p:sp>
-        <p:nvSpPr>
-          <p:cNvPr id="2" name="Slide Image Placeholder 1"/>
-          <p:cNvSpPr>
-            <a:spLocks noGrp="1" noRot="1" noChangeAspect="1"/>
-          </p:cNvSpPr>
-          <p:nvPr>
-            <p:ph type="sldImg"/>
-          </p:nvPr>
-        </p:nvSpPr>
-        <p:spPr/>
-      </p:sp>
-      <p:sp>
-        <p:nvSpPr>
-          <p:cNvPr id="3" name="Notes Placeholder 2"/>
-          <p:cNvSpPr>
-            <a:spLocks noGrp="1"/>
-          </p:cNvSpPr>
-          <p:nvPr>
-            <p:ph type="body" idx="1"/>
-          </p:nvPr>
-        </p:nvSpPr>
-        <p:spPr/>
-        <p:txBody>
-          <a:bodyPr/>
-          <a:lstStyle/>
-          <a:p>
-            <a:endParaRPr lang="en-US" dirty="0"/>
-          </a:p>
-        </p:txBody>
-      </p:sp>
-      <p:sp>
-        <p:nvSpPr>
-          <p:cNvPr id="4" name="Slide Number Placeholder 3"/>
-          <p:cNvSpPr>
-            <a:spLocks noGrp="1"/>
-          </p:cNvSpPr>
-          <p:nvPr>
-            <p:ph type="sldNum" sz="quarter" idx="10"/>
-          </p:nvPr>
-        </p:nvSpPr>
-        <p:spPr/>
-        <p:txBody>
-          <a:bodyPr/>
-          <a:lstStyle/>
-          <a:p>
-            <a:fld id="{F7021451-1387-4CA6-816F-3879F97B5CBC}" type="slidenum">
-              <a:rPr lang="en-US"/>
-            </a:fld>
-            <a:endParaRPr lang="en-US"/>
-          </a:p>
-        </p:txBody>
-      </p:sp>
-    </p:spTree>
-  </p:cSld>
-  <p:clrMapOvr>
-    <a:masterClrMapping/>
-  </p:clrMapOvr>
-</p:notes>
-</file>
-
 <file path=ppt/notesSlides/notesSlide4.xml><?xml version="1.0" encoding="utf-8"?>
 <p:notes xmlns:a="http://schemas.openxmlformats.org/drawingml/2006/main" xmlns:r="http://schemas.openxmlformats.org/officeDocument/2006/relationships" xmlns:p="http://schemas.openxmlformats.org/presentationml/2006/main">
   <p:cSld>
@@ -5272,7 +5193,46 @@
                 <a:ea typeface="微软雅黑 Light" panose="020B0502040204020203" charset="-122"/>
                 <a:cs typeface="Noto Sans S Chinese Regular" pitchFamily="34" charset="-120"/>
               </a:rPr>
-              <a:t>时间需求</a:t>
+              <a:t>响应时间</a:t>
+            </a:r>
+            <a:endParaRPr lang="zh-CN" altLang="en-US" sz="3200" b="1" dirty="0">
+              <a:solidFill>
+                <a:schemeClr val="bg1">
+                  <a:lumMod val="50000"/>
+                </a:schemeClr>
+              </a:solidFill>
+              <a:latin typeface="微软雅黑 Light" panose="020B0502040204020203" charset="-122"/>
+              <a:ea typeface="微软雅黑 Light" panose="020B0502040204020203" charset="-122"/>
+              <a:cs typeface="Noto Sans S Chinese Regular" pitchFamily="34" charset="-120"/>
+            </a:endParaRPr>
+          </a:p>
+          <a:p>
+            <a:pPr algn="ctr"/>
+            <a:r>
+              <a:rPr lang="zh-CN" altLang="en-US" sz="3200" b="1" dirty="0">
+                <a:solidFill>
+                  <a:schemeClr val="bg1">
+                    <a:lumMod val="50000"/>
+                  </a:schemeClr>
+                </a:solidFill>
+                <a:latin typeface="微软雅黑 Light" panose="020B0502040204020203" charset="-122"/>
+                <a:ea typeface="微软雅黑 Light" panose="020B0502040204020203" charset="-122"/>
+                <a:cs typeface="Noto Sans S Chinese Regular" pitchFamily="34" charset="-120"/>
+              </a:rPr>
+              <a:t>分析</a:t>
+            </a:r>
+            <a:r>
+              <a:rPr lang="zh-CN" altLang="en-US" sz="3200" b="1" dirty="0">
+                <a:solidFill>
+                  <a:schemeClr val="bg1">
+                    <a:lumMod val="50000"/>
+                  </a:schemeClr>
+                </a:solidFill>
+                <a:latin typeface="微软雅黑 Light" panose="020B0502040204020203" charset="-122"/>
+                <a:ea typeface="微软雅黑 Light" panose="020B0502040204020203" charset="-122"/>
+                <a:cs typeface="Noto Sans S Chinese Regular" pitchFamily="34" charset="-120"/>
+              </a:rPr>
+              <a:t>时间</a:t>
             </a:r>
             <a:endParaRPr lang="zh-CN" altLang="en-US" sz="3200" b="1" dirty="0">
               <a:solidFill>
@@ -5751,13 +5711,7 @@
           <p:nvPr/>
         </p:nvPicPr>
         <p:blipFill>
-          <a:blip r:embed="rId7">
-            <a:extLst>
-              <a:ext uri="{96DAC541-7B7A-43D3-8B79-37D633B846F1}">
-                <asvg:svgBlip xmlns:asvg="http://schemas.microsoft.com/office/drawing/2016/SVG/main" r:embed="rId8"/>
-              </a:ext>
-            </a:extLst>
-          </a:blip>
+          <a:blip r:embed="rId7"/>
           <a:stretch>
             <a:fillRect/>
           </a:stretch>
@@ -5955,12 +5909,12 @@
           </p:cNvPicPr>
           <p:nvPr>
             <p:custDataLst>
-              <p:tags r:id="rId9"/>
+              <p:tags r:id="rId8"/>
             </p:custDataLst>
           </p:nvPr>
         </p:nvPicPr>
         <p:blipFill>
-          <a:blip r:embed="rId10"/>
+          <a:blip r:embed="rId9"/>
           <a:stretch>
             <a:fillRect/>
           </a:stretch>
@@ -5998,13 +5952,7 @@
             <p:nvPr/>
           </p:nvPicPr>
           <p:blipFill>
-            <a:blip r:embed="rId7">
-              <a:extLst>
-                <a:ext uri="{96DAC541-7B7A-43D3-8B79-37D633B846F1}">
-                  <asvg:svgBlip xmlns:asvg="http://schemas.microsoft.com/office/drawing/2016/SVG/main" r:embed="rId8"/>
-                </a:ext>
-              </a:extLst>
-            </a:blip>
+            <a:blip r:embed="rId7"/>
             <a:stretch>
               <a:fillRect/>
             </a:stretch>
@@ -6415,7 +6363,7 @@
         </p:nvSpPr>
         <p:spPr>
           <a:xfrm>
-            <a:off x="2235835" y="7125970"/>
+            <a:off x="2206625" y="6962775"/>
             <a:ext cx="16053435" cy="2912745"/>
           </a:xfrm>
           <a:prstGeom prst="rect">
@@ -6433,7 +6381,7 @@
               </a:lnSpc>
             </a:pPr>
             <a:r>
-              <a:rPr lang="zh-CN" altLang="en-US" sz="2800" b="1" dirty="0">
+              <a:rPr lang="zh-CN" altLang="en-US" sz="2400" b="1" dirty="0">
                 <a:solidFill>
                   <a:srgbClr val="7F7F7F"/>
                 </a:solidFill>
@@ -6443,7 +6391,7 @@
               </a:rPr>
               <a:t>● 用户信息库存储管理人员和顾客的个人信息（用户名，密码）</a:t>
             </a:r>
-            <a:endParaRPr lang="en-US" altLang="zh-CN" sz="2800" b="1" dirty="0">
+            <a:endParaRPr lang="en-US" altLang="zh-CN" sz="2400" b="1" dirty="0">
               <a:solidFill>
                 <a:srgbClr val="7F7F7F"/>
               </a:solidFill>
@@ -6459,7 +6407,7 @@
               </a:lnSpc>
             </a:pPr>
             <a:r>
-              <a:rPr lang="zh-CN" altLang="en-US" sz="2800" b="1" dirty="0">
+              <a:rPr lang="zh-CN" altLang="en-US" sz="2400" b="1" dirty="0">
                 <a:solidFill>
                   <a:srgbClr val="7F7F7F"/>
                 </a:solidFill>
@@ -6470,7 +6418,7 @@
               <a:t>● 评论数据库存储顾客对商品的评论（商品</a:t>
             </a:r>
             <a:r>
-              <a:rPr lang="en-US" altLang="zh-CN" sz="2800" b="1" dirty="0">
+              <a:rPr lang="en-US" altLang="zh-CN" sz="2400" b="1" dirty="0">
                 <a:solidFill>
                   <a:srgbClr val="7F7F7F"/>
                 </a:solidFill>
@@ -6481,7 +6429,7 @@
               <a:t>ID</a:t>
             </a:r>
             <a:r>
-              <a:rPr lang="zh-CN" altLang="en-US" sz="2800" b="1" dirty="0">
+              <a:rPr lang="zh-CN" altLang="en-US" sz="2400" b="1" dirty="0">
                 <a:solidFill>
                   <a:srgbClr val="7F7F7F"/>
                 </a:solidFill>
@@ -6491,7 +6439,7 @@
               </a:rPr>
               <a:t>，评论，日期）</a:t>
             </a:r>
-            <a:endParaRPr lang="en-US" altLang="zh-CN" sz="2800" b="1" dirty="0">
+            <a:endParaRPr lang="en-US" altLang="zh-CN" sz="2400" b="1" dirty="0">
               <a:solidFill>
                 <a:srgbClr val="7F7F7F"/>
               </a:solidFill>
@@ -6507,7 +6455,7 @@
               </a:lnSpc>
             </a:pPr>
             <a:r>
-              <a:rPr lang="zh-CN" altLang="en-US" sz="2800" b="1" dirty="0">
+              <a:rPr lang="zh-CN" altLang="en-US" sz="2400" b="1" dirty="0">
                 <a:solidFill>
                   <a:srgbClr val="7F7F7F"/>
                 </a:solidFill>
@@ -6515,9 +6463,20 @@
                 <a:ea typeface="微软雅黑" panose="020B0503020204020204" pitchFamily="34" charset="-122"/>
                 <a:cs typeface="Noto Sans S Chinese Regular" pitchFamily="34" charset="-120"/>
               </a:rPr>
-              <a:t>● 属性抽取系统抽取评论数据库中的评论数据，将属性信息输入到规则数据库中</a:t>
+              <a:t>● 属性抽取系统抽取评论数据库中的评论数据，</a:t>
             </a:r>
-            <a:endParaRPr lang="en-US" altLang="zh-CN" sz="2800" b="1" dirty="0">
+            <a:r>
+              <a:rPr lang="zh-CN" altLang="en-US" sz="2400" b="1" dirty="0">
+                <a:solidFill>
+                  <a:srgbClr val="7F7F7F"/>
+                </a:solidFill>
+                <a:latin typeface="微软雅黑" panose="020B0503020204020204" pitchFamily="34" charset="-122"/>
+                <a:ea typeface="微软雅黑" panose="020B0503020204020204" pitchFamily="34" charset="-122"/>
+                <a:cs typeface="Noto Sans S Chinese Regular" pitchFamily="34" charset="-120"/>
+              </a:rPr>
+              <a:t>并将属性信息输入到规则数据库中</a:t>
+            </a:r>
+            <a:endParaRPr lang="en-US" altLang="zh-CN" sz="2400" b="1" dirty="0">
               <a:solidFill>
                 <a:srgbClr val="7F7F7F"/>
               </a:solidFill>
@@ -6533,7 +6492,7 @@
               </a:lnSpc>
             </a:pPr>
             <a:r>
-              <a:rPr lang="zh-CN" altLang="en-US" sz="2800" b="1" dirty="0">
+              <a:rPr lang="zh-CN" altLang="en-US" sz="2400" b="1" dirty="0">
                 <a:solidFill>
                   <a:srgbClr val="7F7F7F"/>
                 </a:solidFill>
@@ -6541,9 +6500,57 @@
                 <a:ea typeface="微软雅黑" panose="020B0503020204020204" pitchFamily="34" charset="-122"/>
                 <a:cs typeface="Noto Sans S Chinese Regular" pitchFamily="34" charset="-120"/>
               </a:rPr>
-              <a:t>● 论数据库的数据及分析得出的规则再进行可视化处理，使之更直观地分析出商品好坏</a:t>
+              <a:t>● </a:t>
             </a:r>
-            <a:endParaRPr lang="zh-CN" altLang="en-US" sz="2800" b="1" dirty="0">
+            <a:r>
+              <a:rPr lang="zh-CN" altLang="en-US" sz="2400" b="1" dirty="0">
+                <a:solidFill>
+                  <a:srgbClr val="7F7F7F"/>
+                </a:solidFill>
+                <a:latin typeface="微软雅黑" panose="020B0503020204020204" pitchFamily="34" charset="-122"/>
+                <a:ea typeface="微软雅黑" panose="020B0503020204020204" pitchFamily="34" charset="-122"/>
+                <a:cs typeface="Noto Sans S Chinese Regular" pitchFamily="34" charset="-120"/>
+              </a:rPr>
+              <a:t>可视化：评论数据库的预处理结果及规则数据库分析得出的规则再进行整合，并可视化处理，</a:t>
+            </a:r>
+            <a:endParaRPr lang="zh-CN" altLang="en-US" sz="2400" b="1" dirty="0">
+              <a:solidFill>
+                <a:srgbClr val="7F7F7F"/>
+              </a:solidFill>
+              <a:latin typeface="微软雅黑" panose="020B0503020204020204" pitchFamily="34" charset="-122"/>
+              <a:ea typeface="微软雅黑" panose="020B0503020204020204" pitchFamily="34" charset="-122"/>
+              <a:cs typeface="Noto Sans S Chinese Regular" pitchFamily="34" charset="-120"/>
+            </a:endParaRPr>
+          </a:p>
+          <a:p>
+            <a:pPr>
+              <a:lnSpc>
+                <a:spcPct val="150000"/>
+              </a:lnSpc>
+            </a:pPr>
+            <a:r>
+              <a:rPr lang="en-US" altLang="zh-CN" sz="2400" b="1" dirty="0">
+                <a:solidFill>
+                  <a:srgbClr val="7F7F7F"/>
+                </a:solidFill>
+                <a:latin typeface="微软雅黑" panose="020B0503020204020204" pitchFamily="34" charset="-122"/>
+                <a:ea typeface="微软雅黑" panose="020B0503020204020204" pitchFamily="34" charset="-122"/>
+                <a:cs typeface="Noto Sans S Chinese Regular" pitchFamily="34" charset="-120"/>
+              </a:rPr>
+              <a:t>    </a:t>
+            </a:r>
+            <a:r>
+              <a:rPr lang="zh-CN" altLang="en-US" sz="2400" b="1" dirty="0">
+                <a:solidFill>
+                  <a:srgbClr val="7F7F7F"/>
+                </a:solidFill>
+                <a:latin typeface="微软雅黑" panose="020B0503020204020204" pitchFamily="34" charset="-122"/>
+                <a:ea typeface="微软雅黑" panose="020B0503020204020204" pitchFamily="34" charset="-122"/>
+                <a:cs typeface="Noto Sans S Chinese Regular" pitchFamily="34" charset="-120"/>
+              </a:rPr>
+              <a:t>直观地分析出商品好坏</a:t>
+            </a:r>
+            <a:endParaRPr lang="zh-CN" altLang="en-US" sz="2400" b="1" dirty="0">
               <a:solidFill>
                 <a:srgbClr val="7F7F7F"/>
               </a:solidFill>
@@ -6563,13 +6570,7 @@
           <p:nvPr/>
         </p:nvPicPr>
         <p:blipFill>
-          <a:blip r:embed="rId8">
-            <a:extLst>
-              <a:ext uri="{96DAC541-7B7A-43D3-8B79-37D633B846F1}">
-                <asvg:svgBlip xmlns:asvg="http://schemas.microsoft.com/office/drawing/2016/SVG/main" r:embed="rId9"/>
-              </a:ext>
-            </a:extLst>
-          </a:blip>
+          <a:blip r:embed="rId8"/>
           <a:stretch>
             <a:fillRect/>
           </a:stretch>
@@ -7979,13 +7980,7 @@
             <p:nvPr/>
           </p:nvPicPr>
           <p:blipFill>
-            <a:blip r:embed="rId16">
-              <a:extLst>
-                <a:ext uri="{96DAC541-7B7A-43D3-8B79-37D633B846F1}">
-                  <asvg:svgBlip xmlns:asvg="http://schemas.microsoft.com/office/drawing/2016/SVG/main" r:embed="rId17"/>
-                </a:ext>
-              </a:extLst>
-            </a:blip>
+            <a:blip r:embed="rId16"/>
             <a:stretch>
               <a:fillRect/>
             </a:stretch>
@@ -9521,7 +9516,7 @@
           </p:nvPr>
         </p:nvGraphicFramePr>
         <p:xfrm>
-          <a:off x="3049270" y="1354455"/>
+          <a:off x="2815590" y="5756275"/>
           <a:ext cx="12216765" cy="3836670"/>
         </p:xfrm>
         <a:graphic>
@@ -9999,7 +9994,7 @@
           </p:nvPr>
         </p:nvGraphicFramePr>
         <p:xfrm>
-          <a:off x="3049270" y="5541010"/>
+          <a:off x="2815590" y="1693545"/>
           <a:ext cx="12216765" cy="3887470"/>
         </p:xfrm>
         <a:graphic>
@@ -10343,7 +10338,21 @@
                           <a:latin typeface="微软雅黑" panose="020B0503020204020204" pitchFamily="34" charset="-122"/>
                           <a:ea typeface="微软雅黑" panose="020B0503020204020204" pitchFamily="34" charset="-122"/>
                         </a:rPr>
-                        <a:t>顾客添加、修改或删除个人评论</a:t>
+                        <a:t>将评论载入</a:t>
+                      </a:r>
+                      <a:r>
+                        <a:rPr lang="zh-CN" sz="3200" b="1" kern="100" dirty="0">
+                          <a:solidFill>
+                            <a:schemeClr val="tx1">
+                              <a:lumMod val="65000"/>
+                              <a:lumOff val="35000"/>
+                            </a:schemeClr>
+                          </a:solidFill>
+                          <a:effectLst/>
+                          <a:latin typeface="微软雅黑" panose="020B0503020204020204" pitchFamily="34" charset="-122"/>
+                          <a:ea typeface="微软雅黑" panose="020B0503020204020204" pitchFamily="34" charset="-122"/>
+                        </a:rPr>
+                        <a:t>评论数据库</a:t>
                       </a:r>
                       <a:endParaRPr lang="zh-CN" sz="3200" b="1" kern="100" dirty="0">
                         <a:solidFill>
@@ -10371,7 +10380,7 @@
                     <a:p>
                       <a:pPr algn="ctr"/>
                       <a:r>
-                        <a:rPr lang="en-US" sz="3200" b="1" kern="100" dirty="0">
+                        <a:rPr lang="en-US" altLang="zh-CN" sz="3200" b="1" kern="100" dirty="0">
                           <a:solidFill>
                             <a:schemeClr val="tx1">
                               <a:lumMod val="65000"/>
@@ -10382,9 +10391,9 @@
                           <a:latin typeface="微软雅黑" panose="020B0503020204020204" pitchFamily="34" charset="-122"/>
                           <a:ea typeface="微软雅黑" panose="020B0503020204020204" pitchFamily="34" charset="-122"/>
                         </a:rPr>
-                        <a:t>-</a:t>
+                        <a:t>——</a:t>
                       </a:r>
-                      <a:endParaRPr lang="en-US" sz="3200" b="1" kern="100" dirty="0">
+                      <a:endParaRPr lang="en-US" altLang="zh-CN" sz="3200" b="1" kern="100" dirty="0">
                         <a:solidFill>
                           <a:schemeClr val="tx1">
                             <a:lumMod val="65000"/>
@@ -12377,7 +12386,7 @@
                           <a:latin typeface="微软雅黑" panose="020B0503020204020204" pitchFamily="34" charset="-122"/>
                           <a:ea typeface="微软雅黑" panose="020B0503020204020204" pitchFamily="34" charset="-122"/>
                         </a:rPr>
-                        <a:t>修改个人用户名、密码</a:t>
+                        <a:t>删除个人用户名、密码</a:t>
                       </a:r>
                       <a:endParaRPr lang="zh-CN" sz="2800" b="1" kern="100" dirty="0">
                         <a:solidFill>
@@ -12416,7 +12425,7 @@
                           <a:latin typeface="微软雅黑" panose="020B0503020204020204" pitchFamily="34" charset="-122"/>
                           <a:ea typeface="微软雅黑" panose="020B0503020204020204" pitchFamily="34" charset="-122"/>
                         </a:rPr>
-                        <a:t>修改后的个人用户名、密码</a:t>
+                        <a:t>删除后的个人用户名、密码</a:t>
                       </a:r>
                       <a:endParaRPr lang="zh-CN" sz="2800" b="1" kern="100" dirty="0">
                         <a:solidFill>
@@ -17968,7 +17977,21 @@
                           <a:latin typeface="微软雅黑" panose="020B0503020204020204" pitchFamily="34" charset="-122"/>
                           <a:ea typeface="微软雅黑" panose="020B0503020204020204" pitchFamily="34" charset="-122"/>
                         </a:rPr>
-                        <a:t>管理人员、分析人员</a:t>
+                        <a:t>管理人员、</a:t>
+                      </a:r>
+                      <a:r>
+                        <a:rPr lang="zh-CN" sz="2400" b="1" kern="100" dirty="0">
+                          <a:solidFill>
+                            <a:schemeClr val="tx1">
+                              <a:lumMod val="65000"/>
+                              <a:lumOff val="35000"/>
+                            </a:schemeClr>
+                          </a:solidFill>
+                          <a:effectLst/>
+                          <a:latin typeface="微软雅黑" panose="020B0503020204020204" pitchFamily="34" charset="-122"/>
+                          <a:ea typeface="微软雅黑" panose="020B0503020204020204" pitchFamily="34" charset="-122"/>
+                        </a:rPr>
+                        <a:t>顾客</a:t>
                       </a:r>
                       <a:endParaRPr lang="zh-CN" sz="2400" b="1" kern="100" dirty="0">
                         <a:solidFill>
@@ -21165,7 +21188,21 @@
                           <a:latin typeface="微软雅黑" panose="020B0503020204020204" pitchFamily="34" charset="-122"/>
                           <a:ea typeface="微软雅黑" panose="020B0503020204020204" pitchFamily="34" charset="-122"/>
                         </a:rPr>
-                        <a:t>描述用户的信息</a:t>
+                        <a:t>描述用户的登录</a:t>
+                      </a:r>
+                      <a:r>
+                        <a:rPr lang="zh-CN" sz="2800" b="1" kern="100">
+                          <a:solidFill>
+                            <a:schemeClr val="tx1">
+                              <a:lumMod val="65000"/>
+                              <a:lumOff val="35000"/>
+                            </a:schemeClr>
+                          </a:solidFill>
+                          <a:effectLst/>
+                          <a:latin typeface="微软雅黑" panose="020B0503020204020204" pitchFamily="34" charset="-122"/>
+                          <a:ea typeface="微软雅黑" panose="020B0503020204020204" pitchFamily="34" charset="-122"/>
+                        </a:rPr>
+                        <a:t>信息</a:t>
                       </a:r>
                       <a:endParaRPr lang="zh-CN" sz="2800" b="1" kern="100">
                         <a:solidFill>
@@ -21395,7 +21432,35 @@
                           <a:latin typeface="微软雅黑" panose="020B0503020204020204" pitchFamily="34" charset="-122"/>
                           <a:ea typeface="微软雅黑" panose="020B0503020204020204" pitchFamily="34" charset="-122"/>
                         </a:rPr>
-                        <a:t>以用户名为关键字</a:t>
+                        <a:t>以</a:t>
+                      </a:r>
+                      <a:r>
+                        <a:rPr lang="en-US" altLang="zh-CN" sz="2800" b="1" kern="100" dirty="0">
+                          <a:solidFill>
+                            <a:schemeClr val="tx1">
+                              <a:lumMod val="65000"/>
+                              <a:lumOff val="35000"/>
+                            </a:schemeClr>
+                          </a:solidFill>
+                          <a:effectLst/>
+                          <a:latin typeface="微软雅黑" panose="020B0503020204020204" pitchFamily="34" charset="-122"/>
+                          <a:ea typeface="微软雅黑" panose="020B0503020204020204" pitchFamily="34" charset="-122"/>
+                        </a:rPr>
+                        <a:t>ID</a:t>
+                      </a:r>
+                      <a:r>
+                        <a:rPr lang="zh-CN" sz="2800" b="1" kern="100" dirty="0">
+                          <a:solidFill>
+                            <a:schemeClr val="tx1">
+                              <a:lumMod val="65000"/>
+                              <a:lumOff val="35000"/>
+                            </a:schemeClr>
+                          </a:solidFill>
+                          <a:effectLst/>
+                          <a:latin typeface="微软雅黑" panose="020B0503020204020204" pitchFamily="34" charset="-122"/>
+                          <a:ea typeface="微软雅黑" panose="020B0503020204020204" pitchFamily="34" charset="-122"/>
+                        </a:rPr>
+                        <a:t>为关键字</a:t>
                       </a:r>
                       <a:endParaRPr lang="zh-CN" sz="2800" b="1" kern="100" dirty="0">
                         <a:solidFill>
@@ -22984,6 +23049,72 @@
           </a:p>
         </p:txBody>
       </p:sp>
+      <p:sp>
+        <p:nvSpPr>
+          <p:cNvPr id="6" name="文本框 5"/>
+          <p:cNvSpPr txBox="1"/>
+          <p:nvPr/>
+        </p:nvSpPr>
+        <p:spPr>
+          <a:xfrm>
+            <a:off x="8684260" y="1151890"/>
+            <a:ext cx="640080" cy="368300"/>
+          </a:xfrm>
+          <a:prstGeom prst="rect">
+            <a:avLst/>
+          </a:prstGeom>
+          <a:noFill/>
+        </p:spPr>
+        <p:txBody>
+          <a:bodyPr wrap="none" rtlCol="0">
+            <a:spAutoFit/>
+          </a:bodyPr>
+          <a:p>
+            <a:r>
+              <a:rPr lang="zh-CN" altLang="en-US">
+                <a:solidFill>
+                  <a:schemeClr val="bg1"/>
+                </a:solidFill>
+              </a:rPr>
+              <a:t>实体</a:t>
+            </a:r>
+            <a:endParaRPr lang="zh-CN" altLang="en-US">
+              <a:solidFill>
+                <a:schemeClr val="bg1"/>
+              </a:solidFill>
+            </a:endParaRPr>
+          </a:p>
+        </p:txBody>
+      </p:sp>
+      <p:sp>
+        <p:nvSpPr>
+          <p:cNvPr id="10" name="文本框 9"/>
+          <p:cNvSpPr txBox="1"/>
+          <p:nvPr/>
+        </p:nvSpPr>
+        <p:spPr>
+          <a:xfrm>
+            <a:off x="11766550" y="9168765"/>
+            <a:ext cx="2214880" cy="706755"/>
+          </a:xfrm>
+          <a:prstGeom prst="rect">
+            <a:avLst/>
+          </a:prstGeom>
+          <a:noFill/>
+        </p:spPr>
+        <p:txBody>
+          <a:bodyPr wrap="none" rtlCol="0">
+            <a:spAutoFit/>
+          </a:bodyPr>
+          <a:p>
+            <a:r>
+              <a:rPr lang="zh-CN" altLang="en-US" sz="4000" b="1"/>
+              <a:t>逻辑模型</a:t>
+            </a:r>
+            <a:endParaRPr lang="zh-CN" altLang="en-US" sz="4000" b="1"/>
+          </a:p>
+        </p:txBody>
+      </p:sp>
     </p:spTree>
   </p:cSld>
   <p:clrMapOvr>
@@ -26150,576 +26281,6 @@
 <file path=ppt/slides/slide30.xml><?xml version="1.0" encoding="utf-8"?>
 <p:sld xmlns:a="http://schemas.openxmlformats.org/drawingml/2006/main" xmlns:r="http://schemas.openxmlformats.org/officeDocument/2006/relationships" xmlns:p="http://schemas.openxmlformats.org/presentationml/2006/main">
   <p:cSld>
-    <p:spTree>
-      <p:nvGrpSpPr>
-        <p:cNvPr id="1" name=""/>
-        <p:cNvGrpSpPr/>
-        <p:nvPr/>
-      </p:nvGrpSpPr>
-      <p:grpSpPr>
-        <a:xfrm>
-          <a:off x="0" y="0"/>
-          <a:ext cx="0" cy="0"/>
-          <a:chOff x="0" y="0"/>
-          <a:chExt cx="0" cy="0"/>
-        </a:xfrm>
-      </p:grpSpPr>
-      <p:pic>
-        <p:nvPicPr>
-          <p:cNvPr id="14" name="Object 13" descr="preencoded.png"/>
-          <p:cNvPicPr>
-            <a:picLocks noChangeAspect="1"/>
-          </p:cNvPicPr>
-          <p:nvPr/>
-        </p:nvPicPr>
-        <p:blipFill>
-          <a:blip r:embed="rId1"/>
-          <a:stretch>
-            <a:fillRect/>
-          </a:stretch>
-        </p:blipFill>
-        <p:spPr>
-          <a:xfrm>
-            <a:off x="782320" y="-94615"/>
-            <a:ext cx="3589655" cy="1612900"/>
-          </a:xfrm>
-          <a:prstGeom prst="rect">
-            <a:avLst/>
-          </a:prstGeom>
-        </p:spPr>
-      </p:pic>
-      <p:pic>
-        <p:nvPicPr>
-          <p:cNvPr id="3" name="Object 2" descr="preencoded.png"/>
-          <p:cNvPicPr>
-            <a:picLocks noChangeAspect="1"/>
-          </p:cNvPicPr>
-          <p:nvPr/>
-        </p:nvPicPr>
-        <p:blipFill>
-          <a:blip r:embed="rId2"/>
-          <a:stretch>
-            <a:fillRect/>
-          </a:stretch>
-        </p:blipFill>
-        <p:spPr>
-          <a:xfrm>
-            <a:off x="-559898" y="398656"/>
-            <a:ext cx="1119795" cy="1119795"/>
-          </a:xfrm>
-          <a:prstGeom prst="rect">
-            <a:avLst/>
-          </a:prstGeom>
-        </p:spPr>
-      </p:pic>
-      <p:pic>
-        <p:nvPicPr>
-          <p:cNvPr id="4" name="Object 3" descr="preencoded.png"/>
-          <p:cNvPicPr>
-            <a:picLocks noChangeAspect="1"/>
-          </p:cNvPicPr>
-          <p:nvPr/>
-        </p:nvPicPr>
-        <p:blipFill>
-          <a:blip r:embed="rId3"/>
-          <a:stretch>
-            <a:fillRect/>
-          </a:stretch>
-        </p:blipFill>
-        <p:spPr>
-          <a:xfrm>
-            <a:off x="-490022" y="468532"/>
-            <a:ext cx="980044" cy="980044"/>
-          </a:xfrm>
-          <a:prstGeom prst="rect">
-            <a:avLst/>
-          </a:prstGeom>
-        </p:spPr>
-      </p:pic>
-      <p:pic>
-        <p:nvPicPr>
-          <p:cNvPr id="5" name="Object 4" descr="preencoded.png"/>
-          <p:cNvPicPr>
-            <a:picLocks noChangeAspect="1"/>
-          </p:cNvPicPr>
-          <p:nvPr/>
-        </p:nvPicPr>
-        <p:blipFill>
-          <a:blip r:embed="rId4"/>
-          <a:stretch>
-            <a:fillRect/>
-          </a:stretch>
-        </p:blipFill>
-        <p:spPr>
-          <a:xfrm>
-            <a:off x="-427253" y="531301"/>
-            <a:ext cx="854505" cy="854505"/>
-          </a:xfrm>
-          <a:prstGeom prst="rect">
-            <a:avLst/>
-          </a:prstGeom>
-        </p:spPr>
-      </p:pic>
-      <p:sp>
-        <p:nvSpPr>
-          <p:cNvPr id="6" name="Object5"/>
-          <p:cNvSpPr/>
-          <p:nvPr/>
-        </p:nvSpPr>
-        <p:spPr>
-          <a:xfrm>
-            <a:off x="941148" y="398483"/>
-            <a:ext cx="4228631" cy="640080"/>
-          </a:xfrm>
-          <a:prstGeom prst="rect">
-            <a:avLst/>
-          </a:prstGeom>
-          <a:noFill/>
-        </p:spPr>
-        <p:txBody>
-          <a:bodyPr wrap="square" rtlCol="0" anchor="ctr"/>
-          <a:lstStyle/>
-          <a:p>
-            <a:r>
-              <a:rPr lang="zh-CN" altLang="en-US" sz="4800" b="1" dirty="0">
-                <a:solidFill>
-                  <a:schemeClr val="bg1"/>
-                </a:solidFill>
-                <a:latin typeface="微软雅黑" panose="020B0503020204020204" pitchFamily="34" charset="-122"/>
-                <a:ea typeface="微软雅黑" panose="020B0503020204020204" pitchFamily="34" charset="-122"/>
-              </a:rPr>
-              <a:t>可行性分析</a:t>
-            </a:r>
-            <a:endParaRPr lang="zh-CN" altLang="en-US" sz="4800" b="1" dirty="0">
-              <a:solidFill>
-                <a:schemeClr val="bg1"/>
-              </a:solidFill>
-              <a:latin typeface="微软雅黑" panose="020B0503020204020204" pitchFamily="34" charset="-122"/>
-              <a:ea typeface="微软雅黑" panose="020B0503020204020204" pitchFamily="34" charset="-122"/>
-            </a:endParaRPr>
-          </a:p>
-        </p:txBody>
-      </p:sp>
-      <p:pic>
-        <p:nvPicPr>
-          <p:cNvPr id="8" name="Object 7" descr="preencoded.png"/>
-          <p:cNvPicPr>
-            <a:picLocks noChangeAspect="1"/>
-          </p:cNvPicPr>
-          <p:nvPr/>
-        </p:nvPicPr>
-        <p:blipFill>
-          <a:blip r:embed="rId5"/>
-          <a:stretch>
-            <a:fillRect/>
-          </a:stretch>
-        </p:blipFill>
-        <p:spPr>
-          <a:xfrm>
-            <a:off x="16190929" y="9315622"/>
-            <a:ext cx="1119795" cy="1119795"/>
-          </a:xfrm>
-          <a:prstGeom prst="rect">
-            <a:avLst/>
-          </a:prstGeom>
-        </p:spPr>
-      </p:pic>
-      <p:pic>
-        <p:nvPicPr>
-          <p:cNvPr id="9" name="Object 8" descr="preencoded.png"/>
-          <p:cNvPicPr>
-            <a:picLocks noChangeAspect="1"/>
-          </p:cNvPicPr>
-          <p:nvPr/>
-        </p:nvPicPr>
-        <p:blipFill>
-          <a:blip r:embed="rId3"/>
-          <a:stretch>
-            <a:fillRect/>
-          </a:stretch>
-        </p:blipFill>
-        <p:spPr>
-          <a:xfrm>
-            <a:off x="16260805" y="9385498"/>
-            <a:ext cx="980044" cy="980044"/>
-          </a:xfrm>
-          <a:prstGeom prst="rect">
-            <a:avLst/>
-          </a:prstGeom>
-        </p:spPr>
-      </p:pic>
-      <p:pic>
-        <p:nvPicPr>
-          <p:cNvPr id="10" name="Object 9" descr="preencoded.png"/>
-          <p:cNvPicPr>
-            <a:picLocks noChangeAspect="1"/>
-          </p:cNvPicPr>
-          <p:nvPr/>
-        </p:nvPicPr>
-        <p:blipFill>
-          <a:blip r:embed="rId4"/>
-          <a:stretch>
-            <a:fillRect/>
-          </a:stretch>
-        </p:blipFill>
-        <p:spPr>
-          <a:xfrm>
-            <a:off x="16323574" y="9448267"/>
-            <a:ext cx="854505" cy="854505"/>
-          </a:xfrm>
-          <a:prstGeom prst="rect">
-            <a:avLst/>
-          </a:prstGeom>
-        </p:spPr>
-      </p:pic>
-      <p:sp>
-        <p:nvSpPr>
-          <p:cNvPr id="11" name="Object10"/>
-          <p:cNvSpPr/>
-          <p:nvPr/>
-        </p:nvSpPr>
-        <p:spPr>
-          <a:xfrm>
-            <a:off x="824399" y="2880483"/>
-            <a:ext cx="7722637" cy="640080"/>
-          </a:xfrm>
-          <a:prstGeom prst="rect">
-            <a:avLst/>
-          </a:prstGeom>
-          <a:noFill/>
-        </p:spPr>
-        <p:txBody>
-          <a:bodyPr wrap="square" rtlCol="0" anchor="ctr"/>
-          <a:lstStyle/>
-          <a:p>
-            <a:r>
-              <a:rPr lang="zh-CN" altLang="en-US" sz="3600" b="1" dirty="0">
-                <a:solidFill>
-                  <a:srgbClr val="333333"/>
-                </a:solidFill>
-                <a:latin typeface="微软雅黑" panose="020B0503020204020204" pitchFamily="34" charset="-122"/>
-                <a:ea typeface="微软雅黑" panose="020B0503020204020204" pitchFamily="34" charset="-122"/>
-                <a:cs typeface="微软雅黑" panose="020B0503020204020204" pitchFamily="34" charset="-122"/>
-              </a:rPr>
-              <a:t>● 可行性研究的方法</a:t>
-            </a:r>
-            <a:endParaRPr lang="zh-CN" altLang="en-US" sz="3600" b="1" dirty="0">
-              <a:solidFill>
-                <a:srgbClr val="333333"/>
-              </a:solidFill>
-              <a:latin typeface="微软雅黑" panose="020B0503020204020204" pitchFamily="34" charset="-122"/>
-              <a:ea typeface="微软雅黑" panose="020B0503020204020204" pitchFamily="34" charset="-122"/>
-              <a:cs typeface="微软雅黑" panose="020B0503020204020204" pitchFamily="34" charset="-122"/>
-            </a:endParaRPr>
-          </a:p>
-        </p:txBody>
-      </p:sp>
-      <p:pic>
-        <p:nvPicPr>
-          <p:cNvPr id="17" name="图片占位符 6" descr="摩天大楼"/>
-          <p:cNvPicPr>
-            <a:picLocks noChangeAspect="1"/>
-          </p:cNvPicPr>
-          <p:nvPr/>
-        </p:nvPicPr>
-        <p:blipFill>
-          <a:blip r:embed="rId6" cstate="print"/>
-          <a:srcRect/>
-          <a:stretch>
-            <a:fillRect/>
-          </a:stretch>
-        </p:blipFill>
-        <p:spPr>
-          <a:xfrm>
-            <a:off x="10970895" y="-94615"/>
-            <a:ext cx="6584950" cy="6035675"/>
-          </a:xfrm>
-          <a:custGeom>
-            <a:avLst/>
-            <a:gdLst>
-              <a:gd name="connsiteX0" fmla="*/ 760444 w 6307353"/>
-              <a:gd name="connsiteY0" fmla="*/ 0 h 5780372"/>
-              <a:gd name="connsiteX1" fmla="*/ 6307353 w 6307353"/>
-              <a:gd name="connsiteY1" fmla="*/ 0 h 5780372"/>
-              <a:gd name="connsiteX2" fmla="*/ 6307353 w 6307353"/>
-              <a:gd name="connsiteY2" fmla="*/ 4515612 h 5780372"/>
-              <a:gd name="connsiteX3" fmla="*/ 6110746 w 6307353"/>
-              <a:gd name="connsiteY3" fmla="*/ 4731934 h 5780372"/>
-              <a:gd name="connsiteX4" fmla="*/ 3579592 w 6307353"/>
-              <a:gd name="connsiteY4" fmla="*/ 5780372 h 5780372"/>
-              <a:gd name="connsiteX5" fmla="*/ 0 w 6307353"/>
-              <a:gd name="connsiteY5" fmla="*/ 2200780 h 5780372"/>
-              <a:gd name="connsiteX6" fmla="*/ 611338 w 6307353"/>
-              <a:gd name="connsiteY6" fmla="*/ 199396 h 5780372"/>
-            </a:gdLst>
-            <a:ahLst/>
-            <a:cxnLst>
-              <a:cxn ang="0">
-                <a:pos x="connsiteX0" y="connsiteY0"/>
-              </a:cxn>
-              <a:cxn ang="0">
-                <a:pos x="connsiteX1" y="connsiteY1"/>
-              </a:cxn>
-              <a:cxn ang="0">
-                <a:pos x="connsiteX2" y="connsiteY2"/>
-              </a:cxn>
-              <a:cxn ang="0">
-                <a:pos x="connsiteX3" y="connsiteY3"/>
-              </a:cxn>
-              <a:cxn ang="0">
-                <a:pos x="connsiteX4" y="connsiteY4"/>
-              </a:cxn>
-              <a:cxn ang="0">
-                <a:pos x="connsiteX5" y="connsiteY5"/>
-              </a:cxn>
-              <a:cxn ang="0">
-                <a:pos x="connsiteX6" y="connsiteY6"/>
-              </a:cxn>
-            </a:cxnLst>
-            <a:rect l="l" t="t" r="r" b="b"/>
-            <a:pathLst>
-              <a:path w="6307353" h="5780372">
-                <a:moveTo>
-                  <a:pt x="760444" y="0"/>
-                </a:moveTo>
-                <a:lnTo>
-                  <a:pt x="6307353" y="0"/>
-                </a:lnTo>
-                <a:lnTo>
-                  <a:pt x="6307353" y="4515612"/>
-                </a:lnTo>
-                <a:lnTo>
-                  <a:pt x="6110746" y="4731934"/>
-                </a:lnTo>
-                <a:cubicBezTo>
-                  <a:pt x="5462967" y="5379713"/>
-                  <a:pt x="4568069" y="5780372"/>
-                  <a:pt x="3579592" y="5780372"/>
-                </a:cubicBezTo>
-                <a:cubicBezTo>
-                  <a:pt x="1602638" y="5780372"/>
-                  <a:pt x="0" y="4177734"/>
-                  <a:pt x="0" y="2200780"/>
-                </a:cubicBezTo>
-                <a:cubicBezTo>
-                  <a:pt x="0" y="1459422"/>
-                  <a:pt x="225371" y="770703"/>
-                  <a:pt x="611338" y="199396"/>
-                </a:cubicBezTo>
-                <a:close/>
-              </a:path>
-            </a:pathLst>
-          </a:custGeom>
-        </p:spPr>
-      </p:pic>
-      <p:sp>
-        <p:nvSpPr>
-          <p:cNvPr id="21" name="文本框 20"/>
-          <p:cNvSpPr txBox="1"/>
-          <p:nvPr/>
-        </p:nvSpPr>
-        <p:spPr>
-          <a:xfrm>
-            <a:off x="1435735" y="3667760"/>
-            <a:ext cx="10257155" cy="1753235"/>
-          </a:xfrm>
-          <a:prstGeom prst="rect">
-            <a:avLst/>
-          </a:prstGeom>
-          <a:noFill/>
-        </p:spPr>
-        <p:txBody>
-          <a:bodyPr wrap="square">
-            <a:spAutoFit/>
-          </a:bodyPr>
-          <a:lstStyle/>
-          <a:p>
-            <a:r>
-              <a:rPr lang="en-US" altLang="zh-CN" sz="3600" b="1" dirty="0">
-                <a:solidFill>
-                  <a:srgbClr val="7F7F7F"/>
-                </a:solidFill>
-                <a:latin typeface="微软雅黑" panose="020B0503020204020204" pitchFamily="34" charset="-122"/>
-                <a:ea typeface="微软雅黑" panose="020B0503020204020204" pitchFamily="34" charset="-122"/>
-                <a:cs typeface="微软雅黑" panose="020B0503020204020204" pitchFamily="34" charset="-122"/>
-              </a:rPr>
-              <a:t>       </a:t>
-            </a:r>
-            <a:r>
-              <a:rPr lang="zh-CN" altLang="en-US" sz="3600" b="1" dirty="0">
-                <a:solidFill>
-                  <a:srgbClr val="7F7F7F"/>
-                </a:solidFill>
-                <a:latin typeface="微软雅黑" panose="020B0503020204020204" pitchFamily="34" charset="-122"/>
-                <a:ea typeface="微软雅黑" panose="020B0503020204020204" pitchFamily="34" charset="-122"/>
-                <a:cs typeface="微软雅黑" panose="020B0503020204020204" pitchFamily="34" charset="-122"/>
-              </a:rPr>
-              <a:t>采用</a:t>
-            </a:r>
-            <a:r>
-              <a:rPr lang="zh-CN" altLang="en-US" sz="3600" b="1" dirty="0">
-                <a:solidFill>
-                  <a:srgbClr val="FF0000"/>
-                </a:solidFill>
-                <a:latin typeface="微软雅黑" panose="020B0503020204020204" pitchFamily="34" charset="-122"/>
-                <a:ea typeface="微软雅黑" panose="020B0503020204020204" pitchFamily="34" charset="-122"/>
-                <a:cs typeface="微软雅黑" panose="020B0503020204020204" pitchFamily="34" charset="-122"/>
-              </a:rPr>
-              <a:t>访谈法</a:t>
-            </a:r>
-            <a:r>
-              <a:rPr lang="zh-CN" altLang="en-US" sz="3600" b="1" dirty="0">
-                <a:solidFill>
-                  <a:srgbClr val="7F7F7F"/>
-                </a:solidFill>
-                <a:latin typeface="微软雅黑" panose="020B0503020204020204" pitchFamily="34" charset="-122"/>
-                <a:ea typeface="微软雅黑" panose="020B0503020204020204" pitchFamily="34" charset="-122"/>
-                <a:cs typeface="微软雅黑" panose="020B0503020204020204" pitchFamily="34" charset="-122"/>
-              </a:rPr>
-              <a:t>与大、中型电子商务经营者客服、售后人员进行了沟通，并通过</a:t>
-            </a:r>
-            <a:r>
-              <a:rPr lang="zh-CN" altLang="en-US" sz="3600" b="1" dirty="0">
-                <a:solidFill>
-                  <a:srgbClr val="FF0000"/>
-                </a:solidFill>
-                <a:latin typeface="微软雅黑" panose="020B0503020204020204" pitchFamily="34" charset="-122"/>
-                <a:ea typeface="微软雅黑" panose="020B0503020204020204" pitchFamily="34" charset="-122"/>
-                <a:cs typeface="微软雅黑" panose="020B0503020204020204" pitchFamily="34" charset="-122"/>
-              </a:rPr>
-              <a:t>调查问卷</a:t>
-            </a:r>
-            <a:r>
-              <a:rPr lang="zh-CN" altLang="en-US" sz="3600" b="1" dirty="0">
-                <a:solidFill>
-                  <a:srgbClr val="7F7F7F"/>
-                </a:solidFill>
-                <a:latin typeface="微软雅黑" panose="020B0503020204020204" pitchFamily="34" charset="-122"/>
-                <a:ea typeface="微软雅黑" panose="020B0503020204020204" pitchFamily="34" charset="-122"/>
-                <a:cs typeface="微软雅黑" panose="020B0503020204020204" pitchFamily="34" charset="-122"/>
-              </a:rPr>
-              <a:t>的方式对公司产品评论分析情况对进行了分析</a:t>
-            </a:r>
-            <a:endParaRPr lang="zh-CN" altLang="en-US" sz="3600" b="1" dirty="0">
-              <a:solidFill>
-                <a:srgbClr val="7F7F7F"/>
-              </a:solidFill>
-              <a:latin typeface="微软雅黑" panose="020B0503020204020204" pitchFamily="34" charset="-122"/>
-              <a:ea typeface="微软雅黑" panose="020B0503020204020204" pitchFamily="34" charset="-122"/>
-              <a:cs typeface="微软雅黑" panose="020B0503020204020204" pitchFamily="34" charset="-122"/>
-            </a:endParaRPr>
-          </a:p>
-        </p:txBody>
-      </p:sp>
-      <p:sp>
-        <p:nvSpPr>
-          <p:cNvPr id="7" name="文本框 6"/>
-          <p:cNvSpPr txBox="1"/>
-          <p:nvPr/>
-        </p:nvSpPr>
-        <p:spPr>
-          <a:xfrm>
-            <a:off x="1435735" y="5970270"/>
-            <a:ext cx="15134590" cy="1753235"/>
-          </a:xfrm>
-          <a:prstGeom prst="rect">
-            <a:avLst/>
-          </a:prstGeom>
-          <a:noFill/>
-        </p:spPr>
-        <p:txBody>
-          <a:bodyPr wrap="square">
-            <a:spAutoFit/>
-          </a:bodyPr>
-          <a:p>
-            <a:r>
-              <a:rPr lang="en-US" sz="3600" b="1" dirty="0">
-                <a:solidFill>
-                  <a:srgbClr val="7F7F7F"/>
-                </a:solidFill>
-                <a:latin typeface="微软雅黑" panose="020B0503020204020204" pitchFamily="34" charset="-122"/>
-                <a:ea typeface="微软雅黑" panose="020B0503020204020204" pitchFamily="34" charset="-122"/>
-                <a:cs typeface="微软雅黑" panose="020B0503020204020204" pitchFamily="34" charset="-122"/>
-              </a:rPr>
-              <a:t>       </a:t>
-            </a:r>
-            <a:r>
-              <a:rPr sz="3600" b="1" dirty="0">
-                <a:solidFill>
-                  <a:srgbClr val="7F7F7F"/>
-                </a:solidFill>
-                <a:latin typeface="微软雅黑" panose="020B0503020204020204" pitchFamily="34" charset="-122"/>
-                <a:ea typeface="微软雅黑" panose="020B0503020204020204" pitchFamily="34" charset="-122"/>
-                <a:cs typeface="微软雅黑" panose="020B0503020204020204" pitchFamily="34" charset="-122"/>
-              </a:rPr>
-              <a:t>此次可行性分析是按照软件工程的规范步骤进行的，</a:t>
-            </a:r>
-            <a:r>
-              <a:rPr sz="3600" b="1" dirty="0">
-                <a:solidFill>
-                  <a:srgbClr val="FF0000"/>
-                </a:solidFill>
-                <a:latin typeface="微软雅黑" panose="020B0503020204020204" pitchFamily="34" charset="-122"/>
-                <a:ea typeface="微软雅黑" panose="020B0503020204020204" pitchFamily="34" charset="-122"/>
-                <a:cs typeface="微软雅黑" panose="020B0503020204020204" pitchFamily="34" charset="-122"/>
-              </a:rPr>
-              <a:t>导出新系统的高层逻辑模型</a:t>
-            </a:r>
-            <a:r>
-              <a:rPr sz="3600" b="1" dirty="0">
-                <a:solidFill>
-                  <a:srgbClr val="7F7F7F"/>
-                </a:solidFill>
-                <a:latin typeface="微软雅黑" panose="020B0503020204020204" pitchFamily="34" charset="-122"/>
-                <a:ea typeface="微软雅黑" panose="020B0503020204020204" pitchFamily="34" charset="-122"/>
-                <a:cs typeface="微软雅黑" panose="020B0503020204020204" pitchFamily="34" charset="-122"/>
-              </a:rPr>
-              <a:t>，接着提出系统的实现方案，对该方案进行</a:t>
-            </a:r>
-            <a:r>
-              <a:rPr sz="3600" b="1" dirty="0">
-                <a:solidFill>
-                  <a:srgbClr val="FF0000"/>
-                </a:solidFill>
-                <a:latin typeface="微软雅黑" panose="020B0503020204020204" pitchFamily="34" charset="-122"/>
-                <a:ea typeface="微软雅黑" panose="020B0503020204020204" pitchFamily="34" charset="-122"/>
-                <a:cs typeface="微软雅黑" panose="020B0503020204020204" pitchFamily="34" charset="-122"/>
-              </a:rPr>
-              <a:t>经济、技术、用户使用和法律</a:t>
-            </a:r>
-            <a:r>
-              <a:rPr sz="3600" b="1" dirty="0">
-                <a:solidFill>
-                  <a:srgbClr val="7F7F7F"/>
-                </a:solidFill>
-                <a:latin typeface="微软雅黑" panose="020B0503020204020204" pitchFamily="34" charset="-122"/>
-                <a:ea typeface="微软雅黑" panose="020B0503020204020204" pitchFamily="34" charset="-122"/>
-                <a:cs typeface="微软雅黑" panose="020B0503020204020204" pitchFamily="34" charset="-122"/>
-              </a:rPr>
-              <a:t>等方面的可行性分析。</a:t>
-            </a:r>
-            <a:endParaRPr sz="3600" b="1" dirty="0">
-              <a:solidFill>
-                <a:srgbClr val="7F7F7F"/>
-              </a:solidFill>
-              <a:latin typeface="微软雅黑" panose="020B0503020204020204" pitchFamily="34" charset="-122"/>
-              <a:ea typeface="微软雅黑" panose="020B0503020204020204" pitchFamily="34" charset="-122"/>
-              <a:cs typeface="微软雅黑" panose="020B0503020204020204" pitchFamily="34" charset="-122"/>
-            </a:endParaRPr>
-          </a:p>
-        </p:txBody>
-      </p:sp>
-    </p:spTree>
-  </p:cSld>
-  <p:clrMapOvr>
-    <a:masterClrMapping/>
-  </p:clrMapOvr>
-</p:sld>
-</file>
-
-<file path=ppt/slides/slide31.xml><?xml version="1.0" encoding="utf-8"?>
-<p:sld xmlns:a="http://schemas.openxmlformats.org/drawingml/2006/main" xmlns:r="http://schemas.openxmlformats.org/officeDocument/2006/relationships" xmlns:p="http://schemas.openxmlformats.org/presentationml/2006/main">
-  <p:cSld>
     <p:bg>
       <p:bgPr>
         <a:blipFill dpi="0" rotWithShape="1">
@@ -27140,7 +26701,7 @@
                 <a:ea typeface="微软雅黑 Light" panose="020B0502040204020203" charset="-122"/>
                 <a:cs typeface="Noto Sans S Chinese Regular" pitchFamily="34" charset="-120"/>
               </a:rPr>
-              <a:t>等评论管理人员能快速获取产品评论分析结果，在短时间内生成分析报告交由公司决策者</a:t>
+              <a:t>评论管理人员能快速获取产品评论分析结果，在短时间内生成分析报告交由公司决策者</a:t>
             </a:r>
             <a:endParaRPr lang="zh-CN" altLang="en-US" sz="3600" b="1" dirty="0">
               <a:solidFill>
@@ -27259,7 +26820,18 @@
                 <a:ea typeface="微软雅黑 Light" panose="020B0502040204020203" charset="-122"/>
                 <a:cs typeface="Noto Sans S Chinese Regular" pitchFamily="34" charset="-120"/>
               </a:rPr>
-              <a:t>能对用户评论进行多方面分析、处理、归纳和推理，进而做出有针对性的经营策略改进。</a:t>
+              <a:t>能对用户评论进行多方面分析、处理</a:t>
+            </a:r>
+            <a:r>
+              <a:rPr lang="zh-CN" altLang="en-US" sz="3600" b="1" dirty="0">
+                <a:solidFill>
+                  <a:srgbClr val="333333"/>
+                </a:solidFill>
+                <a:latin typeface="微软雅黑 Light" panose="020B0502040204020203" charset="-122"/>
+                <a:ea typeface="微软雅黑 Light" panose="020B0502040204020203" charset="-122"/>
+                <a:cs typeface="Noto Sans S Chinese Regular" pitchFamily="34" charset="-120"/>
+              </a:rPr>
+              <a:t>和归纳，进而做出有针对性的经营策略。</a:t>
             </a:r>
             <a:endParaRPr lang="en-US" altLang="zh-CN" sz="3600" b="1" dirty="0">
               <a:solidFill>
@@ -27313,7 +26885,18 @@
                 <a:ea typeface="微软雅黑 Light" panose="020B0502040204020203" charset="-122"/>
                 <a:cs typeface="Noto Sans S Chinese Regular" pitchFamily="34" charset="-120"/>
               </a:rPr>
-              <a:t>本系统基于情感分析模型自动处理评论数据，取代原评论分析人员人工处理过程，</a:t>
+              <a:t>本系统可以自动处理数据，取代之前需人工分析</a:t>
+            </a:r>
+            <a:r>
+              <a:rPr lang="zh-CN" altLang="en-US" sz="3600" b="1" dirty="0">
+                <a:solidFill>
+                  <a:srgbClr val="333333"/>
+                </a:solidFill>
+                <a:latin typeface="微软雅黑 Light" panose="020B0502040204020203" charset="-122"/>
+                <a:ea typeface="微软雅黑 Light" panose="020B0502040204020203" charset="-122"/>
+                <a:cs typeface="Noto Sans S Chinese Regular" pitchFamily="34" charset="-120"/>
+              </a:rPr>
+              <a:t>得过程，</a:t>
             </a:r>
             <a:r>
               <a:rPr lang="zh-CN" altLang="en-US" sz="4800" b="1" dirty="0">
@@ -27711,6 +27294,43 @@
           </p:txBody>
         </p:sp>
       </p:grpSp>
+      <p:sp>
+        <p:nvSpPr>
+          <p:cNvPr id="13" name="文本框 12"/>
+          <p:cNvSpPr txBox="1"/>
+          <p:nvPr/>
+        </p:nvSpPr>
+        <p:spPr>
+          <a:xfrm>
+            <a:off x="14603095" y="6231255"/>
+            <a:ext cx="1853565" cy="829945"/>
+          </a:xfrm>
+          <a:prstGeom prst="rect">
+            <a:avLst/>
+          </a:prstGeom>
+          <a:noFill/>
+        </p:spPr>
+        <p:txBody>
+          <a:bodyPr wrap="square" rtlCol="0" anchor="t">
+            <a:spAutoFit/>
+          </a:bodyPr>
+          <a:p>
+            <a:r>
+              <a:rPr lang="zh-CN" altLang="en-US" sz="4800" b="1" dirty="0">
+                <a:solidFill>
+                  <a:srgbClr val="FF0000"/>
+                </a:solidFill>
+                <a:latin typeface="微软雅黑 Light" panose="020B0502040204020203" charset="-122"/>
+                <a:ea typeface="微软雅黑 Light" panose="020B0502040204020203" charset="-122"/>
+                <a:cs typeface="Noto Sans S Chinese Regular" pitchFamily="34" charset="-120"/>
+                <a:sym typeface="+mn-ea"/>
+              </a:rPr>
+              <a:t>成本</a:t>
+            </a:r>
+            <a:endParaRPr lang="zh-CN" altLang="en-US" sz="4800"/>
+          </a:p>
+        </p:txBody>
+      </p:sp>
     </p:spTree>
   </p:cSld>
   <p:clrMapOvr>
@@ -27719,7 +27339,7 @@
 </p:sld>
 </file>
 
-<file path=ppt/slides/slide32.xml><?xml version="1.0" encoding="utf-8"?>
+<file path=ppt/slides/slide31.xml><?xml version="1.0" encoding="utf-8"?>
 <p:sld xmlns:a="http://schemas.openxmlformats.org/drawingml/2006/main" xmlns:r="http://schemas.openxmlformats.org/officeDocument/2006/relationships" xmlns:p="http://schemas.openxmlformats.org/presentationml/2006/main">
   <p:cSld>
     <p:bg>
@@ -28123,7 +27743,18 @@
                 <a:ea typeface="微软雅黑" panose="020B0503020204020204" pitchFamily="34" charset="-122"/>
                 <a:cs typeface="微软雅黑" panose="020B0503020204020204" pitchFamily="34" charset="-122"/>
               </a:rPr>
-              <a:t>，还有专业软件开发人员答疑，以此来保证软件的正常使用。</a:t>
+              <a:t>，</a:t>
+            </a:r>
+            <a:r>
+              <a:rPr lang="zh-CN" altLang="en-US" sz="3200" b="1" dirty="0">
+                <a:solidFill>
+                  <a:srgbClr val="7F7F7F"/>
+                </a:solidFill>
+                <a:latin typeface="微软雅黑" panose="020B0503020204020204" pitchFamily="34" charset="-122"/>
+                <a:ea typeface="微软雅黑" panose="020B0503020204020204" pitchFamily="34" charset="-122"/>
+                <a:cs typeface="微软雅黑" panose="020B0503020204020204" pitchFamily="34" charset="-122"/>
+              </a:rPr>
+              <a:t>可保证软件的正常使用。</a:t>
             </a:r>
             <a:endParaRPr lang="zh-CN" altLang="en-US" sz="3200" b="1" dirty="0">
               <a:solidFill>
@@ -28506,7 +28137,7 @@
 </p:sld>
 </file>
 
-<file path=ppt/slides/slide33.xml><?xml version="1.0" encoding="utf-8"?>
+<file path=ppt/slides/slide32.xml><?xml version="1.0" encoding="utf-8"?>
 <p:sld xmlns:a="http://schemas.openxmlformats.org/drawingml/2006/main" xmlns:r="http://schemas.openxmlformats.org/officeDocument/2006/relationships" xmlns:p="http://schemas.openxmlformats.org/presentationml/2006/main">
   <p:cSld>
     <p:bg>
@@ -28546,13 +28177,7 @@
           <p:nvPr/>
         </p:nvPicPr>
         <p:blipFill>
-          <a:blip r:embed="rId2">
-            <a:extLst>
-              <a:ext uri="{96DAC541-7B7A-43D3-8B79-37D633B846F1}">
-                <asvg:svgBlip xmlns:asvg="http://schemas.microsoft.com/office/drawing/2016/SVG/main" r:embed="rId3"/>
-              </a:ext>
-            </a:extLst>
-          </a:blip>
+          <a:blip r:embed="rId2"/>
           <a:stretch>
             <a:fillRect/>
           </a:stretch>
@@ -28576,13 +28201,7 @@
           <p:nvPr/>
         </p:nvPicPr>
         <p:blipFill>
-          <a:blip r:embed="rId4">
-            <a:extLst>
-              <a:ext uri="{96DAC541-7B7A-43D3-8B79-37D633B846F1}">
-                <asvg:svgBlip xmlns:asvg="http://schemas.microsoft.com/office/drawing/2016/SVG/main" r:embed="rId5"/>
-              </a:ext>
-            </a:extLst>
-          </a:blip>
+          <a:blip r:embed="rId3"/>
           <a:stretch>
             <a:fillRect/>
           </a:stretch>
@@ -28606,13 +28225,7 @@
           <p:nvPr/>
         </p:nvPicPr>
         <p:blipFill>
-          <a:blip r:embed="rId6">
-            <a:extLst>
-              <a:ext uri="{96DAC541-7B7A-43D3-8B79-37D633B846F1}">
-                <asvg:svgBlip xmlns:asvg="http://schemas.microsoft.com/office/drawing/2016/SVG/main" r:embed="rId7"/>
-              </a:ext>
-            </a:extLst>
-          </a:blip>
+          <a:blip r:embed="rId4"/>
           <a:stretch>
             <a:fillRect/>
           </a:stretch>
@@ -28636,13 +28249,7 @@
           <p:nvPr/>
         </p:nvPicPr>
         <p:blipFill>
-          <a:blip r:embed="rId8">
-            <a:extLst>
-              <a:ext uri="{96DAC541-7B7A-43D3-8B79-37D633B846F1}">
-                <asvg:svgBlip xmlns:asvg="http://schemas.microsoft.com/office/drawing/2016/SVG/main" r:embed="rId9"/>
-              </a:ext>
-            </a:extLst>
-          </a:blip>
+          <a:blip r:embed="rId5"/>
           <a:stretch>
             <a:fillRect/>
           </a:stretch>
@@ -28666,13 +28273,7 @@
           <p:nvPr/>
         </p:nvPicPr>
         <p:blipFill>
-          <a:blip r:embed="rId10">
-            <a:extLst>
-              <a:ext uri="{96DAC541-7B7A-43D3-8B79-37D633B846F1}">
-                <asvg:svgBlip xmlns:asvg="http://schemas.microsoft.com/office/drawing/2016/SVG/main" r:embed="rId11"/>
-              </a:ext>
-            </a:extLst>
-          </a:blip>
+          <a:blip r:embed="rId6"/>
           <a:stretch>
             <a:fillRect/>
           </a:stretch>
@@ -28696,13 +28297,7 @@
           <p:nvPr/>
         </p:nvPicPr>
         <p:blipFill>
-          <a:blip r:embed="rId12">
-            <a:extLst>
-              <a:ext uri="{96DAC541-7B7A-43D3-8B79-37D633B846F1}">
-                <asvg:svgBlip xmlns:asvg="http://schemas.microsoft.com/office/drawing/2016/SVG/main" r:embed="rId13"/>
-              </a:ext>
-            </a:extLst>
-          </a:blip>
+          <a:blip r:embed="rId7"/>
           <a:stretch>
             <a:fillRect/>
           </a:stretch>
@@ -28726,13 +28321,7 @@
           <p:nvPr/>
         </p:nvPicPr>
         <p:blipFill>
-          <a:blip r:embed="rId14">
-            <a:extLst>
-              <a:ext uri="{96DAC541-7B7A-43D3-8B79-37D633B846F1}">
-                <asvg:svgBlip xmlns:asvg="http://schemas.microsoft.com/office/drawing/2016/SVG/main" r:embed="rId15"/>
-              </a:ext>
-            </a:extLst>
-          </a:blip>
+          <a:blip r:embed="rId8"/>
           <a:stretch>
             <a:fillRect/>
           </a:stretch>
@@ -28756,13 +28345,7 @@
           <p:nvPr/>
         </p:nvPicPr>
         <p:blipFill>
-          <a:blip r:embed="rId2">
-            <a:extLst>
-              <a:ext uri="{96DAC541-7B7A-43D3-8B79-37D633B846F1}">
-                <asvg:svgBlip xmlns:asvg="http://schemas.microsoft.com/office/drawing/2016/SVG/main" r:embed="rId3"/>
-              </a:ext>
-            </a:extLst>
-          </a:blip>
+          <a:blip r:embed="rId2"/>
           <a:stretch>
             <a:fillRect/>
           </a:stretch>
@@ -28786,13 +28369,7 @@
           <p:nvPr/>
         </p:nvPicPr>
         <p:blipFill>
-          <a:blip r:embed="rId4">
-            <a:extLst>
-              <a:ext uri="{96DAC541-7B7A-43D3-8B79-37D633B846F1}">
-                <asvg:svgBlip xmlns:asvg="http://schemas.microsoft.com/office/drawing/2016/SVG/main" r:embed="rId5"/>
-              </a:ext>
-            </a:extLst>
-          </a:blip>
+          <a:blip r:embed="rId3"/>
           <a:stretch>
             <a:fillRect/>
           </a:stretch>
@@ -28816,13 +28393,7 @@
           <p:nvPr/>
         </p:nvPicPr>
         <p:blipFill>
-          <a:blip r:embed="rId6">
-            <a:extLst>
-              <a:ext uri="{96DAC541-7B7A-43D3-8B79-37D633B846F1}">
-                <asvg:svgBlip xmlns:asvg="http://schemas.microsoft.com/office/drawing/2016/SVG/main" r:embed="rId7"/>
-              </a:ext>
-            </a:extLst>
-          </a:blip>
+          <a:blip r:embed="rId4"/>
           <a:stretch>
             <a:fillRect/>
           </a:stretch>
@@ -28846,13 +28417,7 @@
           <p:nvPr/>
         </p:nvPicPr>
         <p:blipFill>
-          <a:blip r:embed="rId16">
-            <a:extLst>
-              <a:ext uri="{96DAC541-7B7A-43D3-8B79-37D633B846F1}">
-                <asvg:svgBlip xmlns:asvg="http://schemas.microsoft.com/office/drawing/2016/SVG/main" r:embed="rId17"/>
-              </a:ext>
-            </a:extLst>
-          </a:blip>
+          <a:blip r:embed="rId9"/>
           <a:stretch>
             <a:fillRect/>
           </a:stretch>
@@ -29089,13 +28654,7 @@
             <p:nvPr/>
           </p:nvPicPr>
           <p:blipFill>
-            <a:blip r:embed="rId18">
-              <a:extLst>
-                <a:ext uri="{96DAC541-7B7A-43D3-8B79-37D633B846F1}">
-                  <asvg:svgBlip xmlns:asvg="http://schemas.microsoft.com/office/drawing/2016/SVG/main" r:embed="rId19"/>
-                </a:ext>
-              </a:extLst>
-            </a:blip>
+            <a:blip r:embed="rId10"/>
             <a:stretch>
               <a:fillRect/>
             </a:stretch>
@@ -29119,13 +28678,7 @@
             <p:nvPr/>
           </p:nvPicPr>
           <p:blipFill>
-            <a:blip r:embed="rId20">
-              <a:extLst>
-                <a:ext uri="{96DAC541-7B7A-43D3-8B79-37D633B846F1}">
-                  <asvg:svgBlip xmlns:asvg="http://schemas.microsoft.com/office/drawing/2016/SVG/main" r:embed="rId21"/>
-                </a:ext>
-              </a:extLst>
-            </a:blip>
+            <a:blip r:embed="rId11"/>
             <a:stretch>
               <a:fillRect/>
             </a:stretch>
@@ -29217,13 +28770,7 @@
             <p:nvPr/>
           </p:nvPicPr>
           <p:blipFill>
-            <a:blip r:embed="rId22">
-              <a:extLst>
-                <a:ext uri="{96DAC541-7B7A-43D3-8B79-37D633B846F1}">
-                  <asvg:svgBlip xmlns:asvg="http://schemas.microsoft.com/office/drawing/2016/SVG/main" r:embed="rId23"/>
-                </a:ext>
-              </a:extLst>
-            </a:blip>
+            <a:blip r:embed="rId12"/>
             <a:stretch>
               <a:fillRect/>
             </a:stretch>
@@ -29247,13 +28794,7 @@
             <p:nvPr/>
           </p:nvPicPr>
           <p:blipFill>
-            <a:blip r:embed="rId24">
-              <a:extLst>
-                <a:ext uri="{96DAC541-7B7A-43D3-8B79-37D633B846F1}">
-                  <asvg:svgBlip xmlns:asvg="http://schemas.microsoft.com/office/drawing/2016/SVG/main" r:embed="rId25"/>
-                </a:ext>
-              </a:extLst>
-            </a:blip>
+            <a:blip r:embed="rId13"/>
             <a:stretch>
               <a:fillRect/>
             </a:stretch>
@@ -29994,7 +29535,7 @@
                 <a:cs typeface="微软雅黑" panose="020B0503020204020204" pitchFamily="34" charset="-122"/>
                 <a:sym typeface="+mn-ea"/>
               </a:rPr>
-              <a:t>在电商背景下用户进行评论时，往往针对</a:t>
+              <a:t>在电商背景下用户进行评论时，往往会针对</a:t>
             </a:r>
             <a:r>
               <a:rPr lang="zh-CN" altLang="en-US" sz="4000" dirty="0">
@@ -30027,7 +29568,7 @@
                 <a:cs typeface="微软雅黑" panose="020B0503020204020204" pitchFamily="34" charset="-122"/>
                 <a:sym typeface="+mn-ea"/>
               </a:rPr>
-              <a:t>针对属性级别的细粒度情感分析</a:t>
+              <a:t>针对属性级别的情感分析</a:t>
             </a:r>
             <a:r>
               <a:rPr lang="zh-CN" altLang="en-US" sz="4000" dirty="0">
@@ -30036,7 +29577,16 @@
                 <a:cs typeface="微软雅黑" panose="020B0503020204020204" pitchFamily="34" charset="-122"/>
                 <a:sym typeface="+mn-ea"/>
               </a:rPr>
-              <a:t>在真实的场景中会更加实用，同时更能给到企业用户或商家更加具体的建议。</a:t>
+              <a:t>在真实的场景中会更加实用，同时</a:t>
+            </a:r>
+            <a:r>
+              <a:rPr lang="zh-CN" altLang="en-US" sz="4000" dirty="0">
+                <a:latin typeface="微软雅黑" panose="020B0503020204020204" pitchFamily="34" charset="-122"/>
+                <a:ea typeface="微软雅黑" panose="020B0503020204020204" pitchFamily="34" charset="-122"/>
+                <a:cs typeface="微软雅黑" panose="020B0503020204020204" pitchFamily="34" charset="-122"/>
+                <a:sym typeface="+mn-ea"/>
+              </a:rPr>
+              <a:t>页更能给到企业用户或商家更加具体的建议。</a:t>
             </a:r>
             <a:endParaRPr lang="zh-CN" altLang="en-US" sz="4000"/>
           </a:p>
@@ -30357,18 +29907,7 @@
                 <a:ea typeface="微软雅黑" panose="020B0503020204020204" pitchFamily="34" charset="-122"/>
                 <a:cs typeface="微软雅黑" panose="020B0503020204020204" pitchFamily="34" charset="-122"/>
               </a:rPr>
-              <a:t>）存储：本系统应能</a:t>
-            </a:r>
-            <a:r>
-              <a:rPr lang="zh-CN" altLang="en-US" sz="3200" b="1" dirty="0">
-                <a:solidFill>
-                  <a:srgbClr val="FF0000"/>
-                </a:solidFill>
-                <a:latin typeface="微软雅黑" panose="020B0503020204020204" pitchFamily="34" charset="-122"/>
-                <a:ea typeface="微软雅黑" panose="020B0503020204020204" pitchFamily="34" charset="-122"/>
-                <a:cs typeface="微软雅黑" panose="020B0503020204020204" pitchFamily="34" charset="-122"/>
-              </a:rPr>
-              <a:t>设计相应数据库</a:t>
+              <a:t>）存储：</a:t>
             </a:r>
             <a:r>
               <a:rPr lang="zh-CN" altLang="en-US" sz="3200" b="1" dirty="0">
@@ -30379,7 +29918,7 @@
                 <a:ea typeface="微软雅黑" panose="020B0503020204020204" pitchFamily="34" charset="-122"/>
                 <a:cs typeface="微软雅黑" panose="020B0503020204020204" pitchFamily="34" charset="-122"/>
               </a:rPr>
-              <a:t>，支持个人信息管理；支持评论信息管理；</a:t>
+              <a:t>可支持个人信息管理；支持评论信息管理；</a:t>
             </a:r>
             <a:endParaRPr lang="zh-CN" altLang="en-US" sz="3200" b="1" dirty="0">
               <a:solidFill>
@@ -30427,7 +29966,7 @@
                 <a:ea typeface="微软雅黑" panose="020B0503020204020204" pitchFamily="34" charset="-122"/>
                 <a:cs typeface="微软雅黑" panose="020B0503020204020204" pitchFamily="34" charset="-122"/>
               </a:rPr>
-              <a:t>）数据处理与分析：本系统应能对数据进行基本预处理，</a:t>
+              <a:t>）数据处理与分析：能对数据进行基本预处理，</a:t>
             </a:r>
             <a:r>
               <a:rPr lang="zh-CN" altLang="en-US" sz="3200" b="1" dirty="0">
@@ -30640,7 +30179,7 @@
                 <a:ea typeface="微软雅黑" panose="020B0503020204020204" pitchFamily="34" charset="-122"/>
                 <a:cs typeface="Noto Sans S Chinese Regular" pitchFamily="34" charset="-120"/>
               </a:rPr>
-              <a:t>客服、售后与对应顾客非计算机专业人士，适合使用</a:t>
+              <a:t>绝大多数都为非计算机专业人士，需要使用</a:t>
             </a:r>
             <a:r>
               <a:rPr lang="zh-CN" altLang="en-US" sz="3200" b="1" dirty="0">
@@ -30651,7 +30190,18 @@
                 <a:ea typeface="微软雅黑" panose="020B0503020204020204" pitchFamily="34" charset="-122"/>
                 <a:cs typeface="Noto Sans S Chinese Regular" pitchFamily="34" charset="-120"/>
               </a:rPr>
-              <a:t>易于操作、用户友好</a:t>
+              <a:t>易于操作、</a:t>
+            </a:r>
+            <a:r>
+              <a:rPr lang="zh-CN" altLang="en-US" sz="3200" b="1" dirty="0">
+                <a:solidFill>
+                  <a:srgbClr val="FF0000"/>
+                </a:solidFill>
+                <a:latin typeface="微软雅黑" panose="020B0503020204020204" pitchFamily="34" charset="-122"/>
+                <a:ea typeface="微软雅黑" panose="020B0503020204020204" pitchFamily="34" charset="-122"/>
+                <a:cs typeface="Noto Sans S Chinese Regular" pitchFamily="34" charset="-120"/>
+              </a:rPr>
+              <a:t>功能友好</a:t>
             </a:r>
             <a:r>
               <a:rPr lang="zh-CN" altLang="en-US" sz="3200" b="1" dirty="0">
@@ -30866,29 +30416,7 @@
                 <a:ea typeface="微软雅黑" panose="020B0503020204020204" pitchFamily="34" charset="-122"/>
                 <a:cs typeface="Noto Sans S Chinese Regular" pitchFamily="34" charset="-120"/>
               </a:rPr>
-              <a:t>支持对用户评论进行存储、分析的</a:t>
-            </a:r>
-            <a:r>
-              <a:rPr lang="zh-CN" altLang="en-US" sz="3200" b="1" dirty="0">
-                <a:solidFill>
-                  <a:srgbClr val="FF0000"/>
-                </a:solidFill>
-                <a:latin typeface="微软雅黑" panose="020B0503020204020204" pitchFamily="34" charset="-122"/>
-                <a:ea typeface="微软雅黑" panose="020B0503020204020204" pitchFamily="34" charset="-122"/>
-                <a:cs typeface="Noto Sans S Chinese Regular" pitchFamily="34" charset="-120"/>
-              </a:rPr>
-              <a:t>大、中型电子商务经营者及对应顾客</a:t>
-            </a:r>
-            <a:r>
-              <a:rPr lang="zh-CN" altLang="en-US" sz="3200" b="1" dirty="0">
-                <a:solidFill>
-                  <a:srgbClr val="3B4761"/>
-                </a:solidFill>
-                <a:latin typeface="微软雅黑" panose="020B0503020204020204" pitchFamily="34" charset="-122"/>
-                <a:ea typeface="微软雅黑" panose="020B0503020204020204" pitchFamily="34" charset="-122"/>
-                <a:cs typeface="Noto Sans S Chinese Regular" pitchFamily="34" charset="-120"/>
-              </a:rPr>
-              <a:t>。</a:t>
+              <a:t>大、中型电子商务经营者及对应顾客。</a:t>
             </a:r>
             <a:endParaRPr lang="zh-CN" altLang="en-US" sz="3200" b="1" dirty="0">
               <a:solidFill>
@@ -32418,6 +31946,28 @@
                 <a:ea typeface="微软雅黑" panose="020B0503020204020204" pitchFamily="34" charset="-122"/>
                 <a:cs typeface="Noto Sans S Chinese Regular" pitchFamily="34" charset="-120"/>
               </a:rPr>
+              <a:t>编程</a:t>
+            </a:r>
+            <a:endParaRPr lang="zh-CN" altLang="en-US" sz="4400" dirty="0">
+              <a:solidFill>
+                <a:schemeClr val="tx1"/>
+              </a:solidFill>
+              <a:latin typeface="微软雅黑" panose="020B0503020204020204" pitchFamily="34" charset="-122"/>
+              <a:ea typeface="微软雅黑" panose="020B0503020204020204" pitchFamily="34" charset="-122"/>
+              <a:cs typeface="Noto Sans S Chinese Regular" pitchFamily="34" charset="-120"/>
+            </a:endParaRPr>
+          </a:p>
+          <a:p>
+            <a:pPr lvl="1" algn="just"/>
+            <a:r>
+              <a:rPr lang="zh-CN" altLang="en-US" sz="4400" dirty="0">
+                <a:solidFill>
+                  <a:schemeClr val="tx1"/>
+                </a:solidFill>
+                <a:latin typeface="微软雅黑" panose="020B0503020204020204" pitchFamily="34" charset="-122"/>
+                <a:ea typeface="微软雅黑" panose="020B0503020204020204" pitchFamily="34" charset="-122"/>
+                <a:cs typeface="Noto Sans S Chinese Regular" pitchFamily="34" charset="-120"/>
+              </a:rPr>
               <a:t>可视化界面制作</a:t>
             </a:r>
             <a:r>
@@ -33316,7 +32866,7 @@
                 <a:ea typeface="微软雅黑" panose="020B0503020204020204" pitchFamily="34" charset="-122"/>
                 <a:cs typeface="微软雅黑" panose="020B0503020204020204" pitchFamily="34" charset="-122"/>
               </a:rPr>
-              <a:t>图</a:t>
+              <a:t>图来</a:t>
             </a:r>
             <a:r>
               <a:rPr lang="zh-CN" altLang="en-US" sz="4800" b="1" dirty="0">
@@ -33327,7 +32877,7 @@
                 <a:ea typeface="微软雅黑" panose="020B0503020204020204" pitchFamily="34" charset="-122"/>
                 <a:cs typeface="微软雅黑" panose="020B0503020204020204" pitchFamily="34" charset="-122"/>
               </a:rPr>
-              <a:t>进行结构化系统分析</a:t>
+              <a:t>对需求进行结构化系统分析</a:t>
             </a:r>
             <a:endParaRPr lang="zh-CN" altLang="en-US" sz="4800" b="1" dirty="0">
               <a:solidFill>
@@ -33348,8 +32898,8 @@
         </p:nvSpPr>
         <p:spPr>
           <a:xfrm>
-            <a:off x="489904" y="2305170"/>
-            <a:ext cx="3370423" cy="640080"/>
+            <a:off x="2082165" y="2305050"/>
+            <a:ext cx="1778635" cy="640080"/>
           </a:xfrm>
           <a:prstGeom prst="rect">
             <a:avLst/>
@@ -33368,7 +32918,7 @@
                 <a:latin typeface="微软雅黑" panose="020B0503020204020204" pitchFamily="34" charset="-122"/>
                 <a:ea typeface="微软雅黑" panose="020B0503020204020204" pitchFamily="34" charset="-122"/>
               </a:rPr>
-              <a:t>研究方法：</a:t>
+              <a:t>方法：</a:t>
             </a:r>
             <a:endParaRPr lang="zh-CN" altLang="en-US" sz="6000" b="1" dirty="0">
               <a:solidFill>
@@ -33388,8 +32938,8 @@
         </p:nvSpPr>
         <p:spPr>
           <a:xfrm>
-            <a:off x="559754" y="5318880"/>
-            <a:ext cx="3370423" cy="640080"/>
+            <a:off x="2092325" y="5318760"/>
+            <a:ext cx="1838325" cy="640080"/>
           </a:xfrm>
           <a:prstGeom prst="rect">
             <a:avLst/>
@@ -33407,7 +32957,7 @@
                 <a:latin typeface="微软雅黑" panose="020B0503020204020204" pitchFamily="34" charset="-122"/>
                 <a:ea typeface="微软雅黑" panose="020B0503020204020204" pitchFamily="34" charset="-122"/>
               </a:rPr>
-              <a:t>使用工具：</a:t>
+              <a:t>工具：</a:t>
             </a:r>
             <a:endParaRPr lang="zh-CN" altLang="en-US" sz="6000" b="1" dirty="0">
               <a:solidFill>
@@ -33477,7 +33027,43 @@
                 <a:cs typeface="微软雅黑" panose="020B0503020204020204" pitchFamily="34" charset="-122"/>
                 <a:sym typeface="+mn-ea"/>
               </a:rPr>
-              <a:t>与信息建模法分析需求</a:t>
+              <a:t>与</a:t>
+            </a:r>
+            <a:r>
+              <a:rPr lang="zh-CN" altLang="en-US" sz="4800" b="1" dirty="0">
+                <a:solidFill>
+                  <a:srgbClr val="FF0000"/>
+                </a:solidFill>
+                <a:latin typeface="微软雅黑" panose="020B0503020204020204" pitchFamily="34" charset="-122"/>
+                <a:ea typeface="微软雅黑" panose="020B0503020204020204" pitchFamily="34" charset="-122"/>
+                <a:cs typeface="微软雅黑" panose="020B0503020204020204" pitchFamily="34" charset="-122"/>
+                <a:sym typeface="+mn-ea"/>
+              </a:rPr>
+              <a:t>信息建模法</a:t>
+            </a:r>
+            <a:r>
+              <a:rPr lang="zh-CN" altLang="en-US" sz="4800" b="1" dirty="0">
+                <a:solidFill>
+                  <a:srgbClr val="7F7F7F"/>
+                </a:solidFill>
+                <a:latin typeface="微软雅黑" panose="020B0503020204020204" pitchFamily="34" charset="-122"/>
+                <a:ea typeface="微软雅黑" panose="020B0503020204020204" pitchFamily="34" charset="-122"/>
+                <a:cs typeface="微软雅黑" panose="020B0503020204020204" pitchFamily="34" charset="-122"/>
+                <a:sym typeface="+mn-ea"/>
+              </a:rPr>
+              <a:t>来进行</a:t>
+            </a:r>
+            <a:r>
+              <a:rPr lang="zh-CN" altLang="en-US" sz="4800" b="1" dirty="0">
+                <a:solidFill>
+                  <a:srgbClr val="7F7F7F"/>
+                </a:solidFill>
+                <a:latin typeface="微软雅黑" panose="020B0503020204020204" pitchFamily="34" charset="-122"/>
+                <a:ea typeface="微软雅黑" panose="020B0503020204020204" pitchFamily="34" charset="-122"/>
+                <a:cs typeface="微软雅黑" panose="020B0503020204020204" pitchFamily="34" charset="-122"/>
+                <a:sym typeface="+mn-ea"/>
+              </a:rPr>
+              <a:t>需求分析</a:t>
             </a:r>
             <a:endParaRPr lang="zh-CN" altLang="en-US" sz="4800" b="1" dirty="0">
               <a:solidFill>

--- a/PPT.pptx
+++ b/PPT.pptx
@@ -6045,127 +6045,31 @@
       </p:grpSpPr>
       <p:pic>
         <p:nvPicPr>
-          <p:cNvPr id="1026" name="图片 30" descr="数据流图"/>
+          <p:cNvPr id="3" name="Object 2" descr="preencoded.png"/>
           <p:cNvPicPr>
-            <a:picLocks noChangeAspect="1" noChangeArrowheads="1"/>
+            <a:picLocks noChangeAspect="1"/>
           </p:cNvPicPr>
           <p:nvPr/>
         </p:nvPicPr>
         <p:blipFill>
-          <a:blip r:embed="rId1">
-            <a:extLst>
-              <a:ext uri="{28A0092B-C50C-407E-A947-70E740481C1C}">
-                <a14:useLocalDpi xmlns:a14="http://schemas.microsoft.com/office/drawing/2010/main" val="0"/>
-              </a:ext>
-            </a:extLst>
-          </a:blip>
-          <a:srcRect/>
+          <a:blip r:embed="rId1"/>
           <a:stretch>
             <a:fillRect/>
           </a:stretch>
         </p:blipFill>
-        <p:spPr bwMode="auto">
-          <a:xfrm>
-            <a:off x="2761921" y="150371"/>
-            <a:ext cx="11520680" cy="7121575"/>
-          </a:xfrm>
-          <a:prstGeom prst="rect">
-            <a:avLst/>
-          </a:prstGeom>
-          <a:noFill/>
-          <a:ln>
-            <a:noFill/>
-          </a:ln>
-          <a:extLst>
-            <a:ext uri="{909E8E84-426E-40DD-AFC4-6F175D3DCCD1}">
-              <a14:hiddenFill xmlns:a14="http://schemas.microsoft.com/office/drawing/2010/main">
-                <a:solidFill>
-                  <a:srgbClr val="FFFFFF"/>
-                </a:solidFill>
-              </a14:hiddenFill>
-            </a:ext>
-            <a:ext uri="{91240B29-F687-4F45-9708-019B960494DF}">
-              <a14:hiddenLine xmlns:a14="http://schemas.microsoft.com/office/drawing/2010/main" w="9525">
-                <a:solidFill>
-                  <a:srgbClr val="000000"/>
-                </a:solidFill>
-                <a:miter lim="800000"/>
-                <a:headEnd/>
-                <a:tailEnd/>
-              </a14:hiddenLine>
-            </a:ext>
-          </a:extLst>
+        <p:spPr>
+          <a:xfrm>
+            <a:off x="-559898" y="398656"/>
+            <a:ext cx="1119795" cy="1119795"/>
+          </a:xfrm>
+          <a:prstGeom prst="rect">
+            <a:avLst/>
+          </a:prstGeom>
         </p:spPr>
       </p:pic>
-      <p:sp>
-        <p:nvSpPr>
-          <p:cNvPr id="24" name="椭圆 23"/>
-          <p:cNvSpPr/>
-          <p:nvPr/>
-        </p:nvSpPr>
-        <p:spPr>
-          <a:xfrm>
-            <a:off x="8778081" y="422934"/>
-            <a:ext cx="3878376" cy="1259036"/>
-          </a:xfrm>
-          <a:prstGeom prst="ellipse">
-            <a:avLst/>
-          </a:prstGeom>
-          <a:solidFill>
-            <a:schemeClr val="tx2">
-              <a:lumMod val="75000"/>
-            </a:schemeClr>
-          </a:solidFill>
-          <a:ln>
-            <a:noFill/>
-          </a:ln>
-          <a:effectLst>
-            <a:outerShdw blurRad="190500" dist="228600" dir="2700000" algn="ctr">
-              <a:srgbClr val="000000">
-                <a:alpha val="30000"/>
-              </a:srgbClr>
-            </a:outerShdw>
-          </a:effectLst>
-          <a:scene3d>
-            <a:camera prst="orthographicFront">
-              <a:rot lat="0" lon="0" rev="0"/>
-            </a:camera>
-            <a:lightRig rig="glow" dir="t">
-              <a:rot lat="0" lon="0" rev="4800000"/>
-            </a:lightRig>
-          </a:scene3d>
-          <a:sp3d prstMaterial="matte">
-            <a:bevelT w="127000" h="63500"/>
-          </a:sp3d>
-        </p:spPr>
-        <p:style>
-          <a:lnRef idx="2">
-            <a:schemeClr val="accent1">
-              <a:shade val="50000"/>
-            </a:schemeClr>
-          </a:lnRef>
-          <a:fillRef idx="1">
-            <a:schemeClr val="accent1"/>
-          </a:fillRef>
-          <a:effectRef idx="0">
-            <a:schemeClr val="accent1"/>
-          </a:effectRef>
-          <a:fontRef idx="minor">
-            <a:schemeClr val="lt1"/>
-          </a:fontRef>
-        </p:style>
-        <p:txBody>
-          <a:bodyPr rtlCol="0" anchor="ctr"/>
-          <a:lstStyle/>
-          <a:p>
-            <a:pPr algn="ctr"/>
-            <a:endParaRPr lang="zh-CN" altLang="en-US" dirty="0"/>
-          </a:p>
-        </p:txBody>
-      </p:sp>
       <p:pic>
         <p:nvPicPr>
-          <p:cNvPr id="3" name="Object 2" descr="preencoded.png"/>
+          <p:cNvPr id="4" name="Object 3" descr="preencoded.png"/>
           <p:cNvPicPr>
             <a:picLocks noChangeAspect="1"/>
           </p:cNvPicPr>
@@ -6179,8 +6083,8 @@
         </p:blipFill>
         <p:spPr>
           <a:xfrm>
-            <a:off x="-559898" y="398656"/>
-            <a:ext cx="1119795" cy="1119795"/>
+            <a:off x="-490022" y="468532"/>
+            <a:ext cx="980044" cy="980044"/>
           </a:xfrm>
           <a:prstGeom prst="rect">
             <a:avLst/>
@@ -6189,7 +6093,7 @@
       </p:pic>
       <p:pic>
         <p:nvPicPr>
-          <p:cNvPr id="4" name="Object 3" descr="preencoded.png"/>
+          <p:cNvPr id="5" name="Object 4" descr="preencoded.png"/>
           <p:cNvPicPr>
             <a:picLocks noChangeAspect="1"/>
           </p:cNvPicPr>
@@ -6203,8 +6107,8 @@
         </p:blipFill>
         <p:spPr>
           <a:xfrm>
-            <a:off x="-490022" y="468532"/>
-            <a:ext cx="980044" cy="980044"/>
+            <a:off x="-427253" y="531301"/>
+            <a:ext cx="854505" cy="854505"/>
           </a:xfrm>
           <a:prstGeom prst="rect">
             <a:avLst/>
@@ -6213,7 +6117,7 @@
       </p:pic>
       <p:pic>
         <p:nvPicPr>
-          <p:cNvPr id="5" name="Object 4" descr="preencoded.png"/>
+          <p:cNvPr id="8" name="Object 7" descr="preencoded.png"/>
           <p:cNvPicPr>
             <a:picLocks noChangeAspect="1"/>
           </p:cNvPicPr>
@@ -6227,8 +6131,8 @@
         </p:blipFill>
         <p:spPr>
           <a:xfrm>
-            <a:off x="-427253" y="531301"/>
-            <a:ext cx="854505" cy="854505"/>
+            <a:off x="16190929" y="9315622"/>
+            <a:ext cx="1119795" cy="1119795"/>
           </a:xfrm>
           <a:prstGeom prst="rect">
             <a:avLst/>
@@ -6237,7 +6141,55 @@
       </p:pic>
       <p:pic>
         <p:nvPicPr>
-          <p:cNvPr id="8" name="Object 7" descr="preencoded.png"/>
+          <p:cNvPr id="9" name="Object 8" descr="preencoded.png"/>
+          <p:cNvPicPr>
+            <a:picLocks noChangeAspect="1"/>
+          </p:cNvPicPr>
+          <p:nvPr/>
+        </p:nvPicPr>
+        <p:blipFill>
+          <a:blip r:embed="rId2"/>
+          <a:stretch>
+            <a:fillRect/>
+          </a:stretch>
+        </p:blipFill>
+        <p:spPr>
+          <a:xfrm>
+            <a:off x="16260805" y="9385498"/>
+            <a:ext cx="980044" cy="980044"/>
+          </a:xfrm>
+          <a:prstGeom prst="rect">
+            <a:avLst/>
+          </a:prstGeom>
+        </p:spPr>
+      </p:pic>
+      <p:pic>
+        <p:nvPicPr>
+          <p:cNvPr id="10" name="Object 9" descr="preencoded.png"/>
+          <p:cNvPicPr>
+            <a:picLocks noChangeAspect="1"/>
+          </p:cNvPicPr>
+          <p:nvPr/>
+        </p:nvPicPr>
+        <p:blipFill>
+          <a:blip r:embed="rId3"/>
+          <a:stretch>
+            <a:fillRect/>
+          </a:stretch>
+        </p:blipFill>
+        <p:spPr>
+          <a:xfrm>
+            <a:off x="16323574" y="9448267"/>
+            <a:ext cx="854505" cy="854505"/>
+          </a:xfrm>
+          <a:prstGeom prst="rect">
+            <a:avLst/>
+          </a:prstGeom>
+        </p:spPr>
+      </p:pic>
+      <p:pic>
+        <p:nvPicPr>
+          <p:cNvPr id="18" name="Object 7" descr="preencoded.png"/>
           <p:cNvPicPr>
             <a:picLocks noChangeAspect="1"/>
           </p:cNvPicPr>
@@ -6251,8 +6203,8 @@
         </p:blipFill>
         <p:spPr>
           <a:xfrm>
-            <a:off x="16190929" y="9315622"/>
-            <a:ext cx="1119795" cy="1119795"/>
+            <a:off x="15032079" y="-1720802"/>
+            <a:ext cx="2848167" cy="2848167"/>
           </a:xfrm>
           <a:prstGeom prst="rect">
             <a:avLst/>
@@ -6261,55 +6213,7 @@
       </p:pic>
       <p:pic>
         <p:nvPicPr>
-          <p:cNvPr id="9" name="Object 8" descr="preencoded.png"/>
-          <p:cNvPicPr>
-            <a:picLocks noChangeAspect="1"/>
-          </p:cNvPicPr>
-          <p:nvPr/>
-        </p:nvPicPr>
-        <p:blipFill>
-          <a:blip r:embed="rId3"/>
-          <a:stretch>
-            <a:fillRect/>
-          </a:stretch>
-        </p:blipFill>
-        <p:spPr>
-          <a:xfrm>
-            <a:off x="16260805" y="9385498"/>
-            <a:ext cx="980044" cy="980044"/>
-          </a:xfrm>
-          <a:prstGeom prst="rect">
-            <a:avLst/>
-          </a:prstGeom>
-        </p:spPr>
-      </p:pic>
-      <p:pic>
-        <p:nvPicPr>
-          <p:cNvPr id="10" name="Object 9" descr="preencoded.png"/>
-          <p:cNvPicPr>
-            <a:picLocks noChangeAspect="1"/>
-          </p:cNvPicPr>
-          <p:nvPr/>
-        </p:nvPicPr>
-        <p:blipFill>
-          <a:blip r:embed="rId4"/>
-          <a:stretch>
-            <a:fillRect/>
-          </a:stretch>
-        </p:blipFill>
-        <p:spPr>
-          <a:xfrm>
-            <a:off x="16323574" y="9448267"/>
-            <a:ext cx="854505" cy="854505"/>
-          </a:xfrm>
-          <a:prstGeom prst="rect">
-            <a:avLst/>
-          </a:prstGeom>
-        </p:spPr>
-      </p:pic>
-      <p:pic>
-        <p:nvPicPr>
-          <p:cNvPr id="18" name="Object 7" descr="preencoded.png"/>
+          <p:cNvPr id="19" name="Object 11" descr="preencoded.png"/>
           <p:cNvPicPr>
             <a:picLocks noChangeAspect="1"/>
           </p:cNvPicPr>
@@ -6323,8 +6227,8 @@
         </p:blipFill>
         <p:spPr>
           <a:xfrm>
-            <a:off x="15032079" y="-1720802"/>
-            <a:ext cx="2848167" cy="2848167"/>
+            <a:off x="16058262" y="50313"/>
+            <a:ext cx="795801" cy="558652"/>
           </a:xfrm>
           <a:prstGeom prst="rect">
             <a:avLst/>
@@ -6333,7 +6237,7 @@
       </p:pic>
       <p:pic>
         <p:nvPicPr>
-          <p:cNvPr id="19" name="Object 11" descr="preencoded.png"/>
+          <p:cNvPr id="2" name="Object 13" descr="preencoded.png"/>
           <p:cNvPicPr>
             <a:picLocks noChangeAspect="1"/>
           </p:cNvPicPr>
@@ -6347,236 +6251,6 @@
         </p:blipFill>
         <p:spPr>
           <a:xfrm>
-            <a:off x="16058262" y="50313"/>
-            <a:ext cx="795801" cy="558652"/>
-          </a:xfrm>
-          <a:prstGeom prst="rect">
-            <a:avLst/>
-          </a:prstGeom>
-        </p:spPr>
-      </p:pic>
-      <p:sp>
-        <p:nvSpPr>
-          <p:cNvPr id="20" name="Object11"/>
-          <p:cNvSpPr/>
-          <p:nvPr/>
-        </p:nvSpPr>
-        <p:spPr>
-          <a:xfrm>
-            <a:off x="2206625" y="6962775"/>
-            <a:ext cx="16053435" cy="2912745"/>
-          </a:xfrm>
-          <a:prstGeom prst="rect">
-            <a:avLst/>
-          </a:prstGeom>
-          <a:noFill/>
-        </p:spPr>
-        <p:txBody>
-          <a:bodyPr wrap="square" rtlCol="0" anchor="ctr"/>
-          <a:lstStyle/>
-          <a:p>
-            <a:pPr>
-              <a:lnSpc>
-                <a:spcPct val="150000"/>
-              </a:lnSpc>
-            </a:pPr>
-            <a:r>
-              <a:rPr lang="zh-CN" altLang="en-US" sz="2400" b="1" dirty="0">
-                <a:solidFill>
-                  <a:srgbClr val="7F7F7F"/>
-                </a:solidFill>
-                <a:latin typeface="微软雅黑" panose="020B0503020204020204" pitchFamily="34" charset="-122"/>
-                <a:ea typeface="微软雅黑" panose="020B0503020204020204" pitchFamily="34" charset="-122"/>
-                <a:cs typeface="Noto Sans S Chinese Regular" pitchFamily="34" charset="-120"/>
-              </a:rPr>
-              <a:t>● 用户信息库存储管理人员和顾客的个人信息（用户名，密码）</a:t>
-            </a:r>
-            <a:endParaRPr lang="en-US" altLang="zh-CN" sz="2400" b="1" dirty="0">
-              <a:solidFill>
-                <a:srgbClr val="7F7F7F"/>
-              </a:solidFill>
-              <a:latin typeface="微软雅黑" panose="020B0503020204020204" pitchFamily="34" charset="-122"/>
-              <a:ea typeface="微软雅黑" panose="020B0503020204020204" pitchFamily="34" charset="-122"/>
-              <a:cs typeface="Noto Sans S Chinese Regular" pitchFamily="34" charset="-120"/>
-            </a:endParaRPr>
-          </a:p>
-          <a:p>
-            <a:pPr>
-              <a:lnSpc>
-                <a:spcPct val="150000"/>
-              </a:lnSpc>
-            </a:pPr>
-            <a:r>
-              <a:rPr lang="zh-CN" altLang="en-US" sz="2400" b="1" dirty="0">
-                <a:solidFill>
-                  <a:srgbClr val="7F7F7F"/>
-                </a:solidFill>
-                <a:latin typeface="微软雅黑" panose="020B0503020204020204" pitchFamily="34" charset="-122"/>
-                <a:ea typeface="微软雅黑" panose="020B0503020204020204" pitchFamily="34" charset="-122"/>
-                <a:cs typeface="Noto Sans S Chinese Regular" pitchFamily="34" charset="-120"/>
-              </a:rPr>
-              <a:t>● 评论数据库存储顾客对商品的评论（商品</a:t>
-            </a:r>
-            <a:r>
-              <a:rPr lang="en-US" altLang="zh-CN" sz="2400" b="1" dirty="0">
-                <a:solidFill>
-                  <a:srgbClr val="7F7F7F"/>
-                </a:solidFill>
-                <a:latin typeface="微软雅黑" panose="020B0503020204020204" pitchFamily="34" charset="-122"/>
-                <a:ea typeface="微软雅黑" panose="020B0503020204020204" pitchFamily="34" charset="-122"/>
-                <a:cs typeface="Noto Sans S Chinese Regular" pitchFamily="34" charset="-120"/>
-              </a:rPr>
-              <a:t>ID</a:t>
-            </a:r>
-            <a:r>
-              <a:rPr lang="zh-CN" altLang="en-US" sz="2400" b="1" dirty="0">
-                <a:solidFill>
-                  <a:srgbClr val="7F7F7F"/>
-                </a:solidFill>
-                <a:latin typeface="微软雅黑" panose="020B0503020204020204" pitchFamily="34" charset="-122"/>
-                <a:ea typeface="微软雅黑" panose="020B0503020204020204" pitchFamily="34" charset="-122"/>
-                <a:cs typeface="Noto Sans S Chinese Regular" pitchFamily="34" charset="-120"/>
-              </a:rPr>
-              <a:t>，评论，日期）</a:t>
-            </a:r>
-            <a:endParaRPr lang="en-US" altLang="zh-CN" sz="2400" b="1" dirty="0">
-              <a:solidFill>
-                <a:srgbClr val="7F7F7F"/>
-              </a:solidFill>
-              <a:latin typeface="微软雅黑" panose="020B0503020204020204" pitchFamily="34" charset="-122"/>
-              <a:ea typeface="微软雅黑" panose="020B0503020204020204" pitchFamily="34" charset="-122"/>
-              <a:cs typeface="Noto Sans S Chinese Regular" pitchFamily="34" charset="-120"/>
-            </a:endParaRPr>
-          </a:p>
-          <a:p>
-            <a:pPr>
-              <a:lnSpc>
-                <a:spcPct val="150000"/>
-              </a:lnSpc>
-            </a:pPr>
-            <a:r>
-              <a:rPr lang="zh-CN" altLang="en-US" sz="2400" b="1" dirty="0">
-                <a:solidFill>
-                  <a:srgbClr val="7F7F7F"/>
-                </a:solidFill>
-                <a:latin typeface="微软雅黑" panose="020B0503020204020204" pitchFamily="34" charset="-122"/>
-                <a:ea typeface="微软雅黑" panose="020B0503020204020204" pitchFamily="34" charset="-122"/>
-                <a:cs typeface="Noto Sans S Chinese Regular" pitchFamily="34" charset="-120"/>
-              </a:rPr>
-              <a:t>● 属性抽取系统抽取评论数据库中的评论数据，</a:t>
-            </a:r>
-            <a:r>
-              <a:rPr lang="zh-CN" altLang="en-US" sz="2400" b="1" dirty="0">
-                <a:solidFill>
-                  <a:srgbClr val="7F7F7F"/>
-                </a:solidFill>
-                <a:latin typeface="微软雅黑" panose="020B0503020204020204" pitchFamily="34" charset="-122"/>
-                <a:ea typeface="微软雅黑" panose="020B0503020204020204" pitchFamily="34" charset="-122"/>
-                <a:cs typeface="Noto Sans S Chinese Regular" pitchFamily="34" charset="-120"/>
-              </a:rPr>
-              <a:t>并将属性信息输入到规则数据库中</a:t>
-            </a:r>
-            <a:endParaRPr lang="en-US" altLang="zh-CN" sz="2400" b="1" dirty="0">
-              <a:solidFill>
-                <a:srgbClr val="7F7F7F"/>
-              </a:solidFill>
-              <a:latin typeface="微软雅黑" panose="020B0503020204020204" pitchFamily="34" charset="-122"/>
-              <a:ea typeface="微软雅黑" panose="020B0503020204020204" pitchFamily="34" charset="-122"/>
-              <a:cs typeface="Noto Sans S Chinese Regular" pitchFamily="34" charset="-120"/>
-            </a:endParaRPr>
-          </a:p>
-          <a:p>
-            <a:pPr>
-              <a:lnSpc>
-                <a:spcPct val="150000"/>
-              </a:lnSpc>
-            </a:pPr>
-            <a:r>
-              <a:rPr lang="zh-CN" altLang="en-US" sz="2400" b="1" dirty="0">
-                <a:solidFill>
-                  <a:srgbClr val="7F7F7F"/>
-                </a:solidFill>
-                <a:latin typeface="微软雅黑" panose="020B0503020204020204" pitchFamily="34" charset="-122"/>
-                <a:ea typeface="微软雅黑" panose="020B0503020204020204" pitchFamily="34" charset="-122"/>
-                <a:cs typeface="Noto Sans S Chinese Regular" pitchFamily="34" charset="-120"/>
-              </a:rPr>
-              <a:t>● </a:t>
-            </a:r>
-            <a:r>
-              <a:rPr lang="zh-CN" altLang="en-US" sz="2400" b="1" dirty="0">
-                <a:solidFill>
-                  <a:srgbClr val="7F7F7F"/>
-                </a:solidFill>
-                <a:latin typeface="微软雅黑" panose="020B0503020204020204" pitchFamily="34" charset="-122"/>
-                <a:ea typeface="微软雅黑" panose="020B0503020204020204" pitchFamily="34" charset="-122"/>
-                <a:cs typeface="Noto Sans S Chinese Regular" pitchFamily="34" charset="-120"/>
-              </a:rPr>
-              <a:t>可视化：评论数据库的预处理结果及规则数据库分析得出的规则再进行整合，并可视化处理，</a:t>
-            </a:r>
-            <a:endParaRPr lang="zh-CN" altLang="en-US" sz="2400" b="1" dirty="0">
-              <a:solidFill>
-                <a:srgbClr val="7F7F7F"/>
-              </a:solidFill>
-              <a:latin typeface="微软雅黑" panose="020B0503020204020204" pitchFamily="34" charset="-122"/>
-              <a:ea typeface="微软雅黑" panose="020B0503020204020204" pitchFamily="34" charset="-122"/>
-              <a:cs typeface="Noto Sans S Chinese Regular" pitchFamily="34" charset="-120"/>
-            </a:endParaRPr>
-          </a:p>
-          <a:p>
-            <a:pPr>
-              <a:lnSpc>
-                <a:spcPct val="150000"/>
-              </a:lnSpc>
-            </a:pPr>
-            <a:r>
-              <a:rPr lang="en-US" altLang="zh-CN" sz="2400" b="1" dirty="0">
-                <a:solidFill>
-                  <a:srgbClr val="7F7F7F"/>
-                </a:solidFill>
-                <a:latin typeface="微软雅黑" panose="020B0503020204020204" pitchFamily="34" charset="-122"/>
-                <a:ea typeface="微软雅黑" panose="020B0503020204020204" pitchFamily="34" charset="-122"/>
-                <a:cs typeface="Noto Sans S Chinese Regular" pitchFamily="34" charset="-120"/>
-              </a:rPr>
-              <a:t>    </a:t>
-            </a:r>
-            <a:r>
-              <a:rPr lang="zh-CN" altLang="en-US" sz="2400" b="1" dirty="0">
-                <a:solidFill>
-                  <a:srgbClr val="7F7F7F"/>
-                </a:solidFill>
-                <a:latin typeface="微软雅黑" panose="020B0503020204020204" pitchFamily="34" charset="-122"/>
-                <a:ea typeface="微软雅黑" panose="020B0503020204020204" pitchFamily="34" charset="-122"/>
-                <a:cs typeface="Noto Sans S Chinese Regular" pitchFamily="34" charset="-120"/>
-              </a:rPr>
-              <a:t>直观地分析出商品好坏</a:t>
-            </a:r>
-            <a:endParaRPr lang="zh-CN" altLang="en-US" sz="2400" b="1" dirty="0">
-              <a:solidFill>
-                <a:srgbClr val="7F7F7F"/>
-              </a:solidFill>
-              <a:latin typeface="微软雅黑" panose="020B0503020204020204" pitchFamily="34" charset="-122"/>
-              <a:ea typeface="微软雅黑" panose="020B0503020204020204" pitchFamily="34" charset="-122"/>
-              <a:cs typeface="Noto Sans S Chinese Regular" pitchFamily="34" charset="-120"/>
-            </a:endParaRPr>
-          </a:p>
-        </p:txBody>
-      </p:sp>
-      <p:pic>
-        <p:nvPicPr>
-          <p:cNvPr id="2" name="Object 13" descr="preencoded.png"/>
-          <p:cNvPicPr>
-            <a:picLocks noChangeAspect="1"/>
-          </p:cNvPicPr>
-          <p:nvPr/>
-        </p:nvPicPr>
-        <p:blipFill>
-          <a:blip r:embed="rId8"/>
-          <a:stretch>
-            <a:fillRect/>
-          </a:stretch>
-        </p:blipFill>
-        <p:spPr>
-          <a:xfrm>
             <a:off x="666750" y="-136525"/>
             <a:ext cx="2830830" cy="1569720"/>
           </a:xfrm>
@@ -6604,6 +6278,16 @@
         <p:txBody>
           <a:bodyPr wrap="square" rtlCol="0" anchor="ctr"/>
           <a:p>
+            <a:r>
+              <a:rPr lang="en-US" altLang="zh-CN" sz="4800" b="1" dirty="0">
+                <a:solidFill>
+                  <a:schemeClr val="bg1"/>
+                </a:solidFill>
+                <a:latin typeface="微软雅黑" panose="020B0503020204020204" pitchFamily="34" charset="-122"/>
+                <a:ea typeface="微软雅黑" panose="020B0503020204020204" pitchFamily="34" charset="-122"/>
+              </a:rPr>
+              <a:t>0</a:t>
+            </a:r>
             <a:r>
               <a:rPr lang="zh-CN" altLang="en-US" sz="4800" b="1" dirty="0">
                 <a:solidFill>
@@ -6612,9 +6296,19 @@
                 <a:latin typeface="微软雅黑" panose="020B0503020204020204" pitchFamily="34" charset="-122"/>
                 <a:ea typeface="微软雅黑" panose="020B0503020204020204" pitchFamily="34" charset="-122"/>
               </a:rPr>
-              <a:t>功能需求</a:t>
+              <a:t>层</a:t>
             </a:r>
-            <a:endParaRPr lang="zh-CN" altLang="en-US" sz="4800" b="1" dirty="0">
+            <a:r>
+              <a:rPr lang="en-US" altLang="zh-CN" sz="4800" b="1" dirty="0">
+                <a:solidFill>
+                  <a:schemeClr val="bg1"/>
+                </a:solidFill>
+                <a:latin typeface="微软雅黑" panose="020B0503020204020204" pitchFamily="34" charset="-122"/>
+                <a:ea typeface="微软雅黑" panose="020B0503020204020204" pitchFamily="34" charset="-122"/>
+              </a:rPr>
+              <a:t>DFD</a:t>
+            </a:r>
+            <a:endParaRPr lang="en-US" altLang="zh-CN" sz="4800" b="1" dirty="0">
               <a:solidFill>
                 <a:schemeClr val="bg1"/>
               </a:solidFill>
@@ -6624,60 +6318,30 @@
           </a:p>
         </p:txBody>
       </p:sp>
-      <p:sp>
-        <p:nvSpPr>
-          <p:cNvPr id="7" name="文本框 6"/>
-          <p:cNvSpPr txBox="1"/>
-          <p:nvPr/>
-        </p:nvSpPr>
-        <p:spPr>
-          <a:xfrm>
-            <a:off x="8970645" y="688340"/>
-            <a:ext cx="3685540" cy="829945"/>
-          </a:xfrm>
-          <a:prstGeom prst="rect">
-            <a:avLst/>
-          </a:prstGeom>
-          <a:noFill/>
-        </p:spPr>
-        <p:txBody>
-          <a:bodyPr wrap="square" rtlCol="0">
-            <a:spAutoFit/>
-          </a:bodyPr>
-          <a:p>
-            <a:r>
-              <a:rPr lang="en-US" altLang="zh-CN" sz="4800">
-                <a:solidFill>
-                  <a:schemeClr val="bg1"/>
-                </a:solidFill>
-                <a:latin typeface="微软雅黑" panose="020B0503020204020204" pitchFamily="34" charset="-122"/>
-                <a:ea typeface="微软雅黑" panose="020B0503020204020204" pitchFamily="34" charset="-122"/>
-                <a:cs typeface="微软雅黑" panose="020B0503020204020204" pitchFamily="34" charset="-122"/>
-              </a:rPr>
-              <a:t>0</a:t>
-            </a:r>
-            <a:r>
-              <a:rPr lang="zh-CN" altLang="en-US" sz="4800">
-                <a:solidFill>
-                  <a:schemeClr val="bg1"/>
-                </a:solidFill>
-                <a:latin typeface="微软雅黑" panose="020B0503020204020204" pitchFamily="34" charset="-122"/>
-                <a:ea typeface="微软雅黑" panose="020B0503020204020204" pitchFamily="34" charset="-122"/>
-                <a:cs typeface="微软雅黑" panose="020B0503020204020204" pitchFamily="34" charset="-122"/>
-              </a:rPr>
-              <a:t>层数据流图</a:t>
-            </a:r>
-            <a:endParaRPr lang="zh-CN" altLang="en-US" sz="4800">
-              <a:solidFill>
-                <a:schemeClr val="bg1"/>
-              </a:solidFill>
-              <a:latin typeface="微软雅黑" panose="020B0503020204020204" pitchFamily="34" charset="-122"/>
-              <a:ea typeface="微软雅黑" panose="020B0503020204020204" pitchFamily="34" charset="-122"/>
-              <a:cs typeface="微软雅黑" panose="020B0503020204020204" pitchFamily="34" charset="-122"/>
-            </a:endParaRPr>
-          </a:p>
-        </p:txBody>
-      </p:sp>
+      <p:pic>
+        <p:nvPicPr>
+          <p:cNvPr id="6" name="图片 5" descr="2622"/>
+          <p:cNvPicPr>
+            <a:picLocks noChangeAspect="1"/>
+          </p:cNvPicPr>
+          <p:nvPr/>
+        </p:nvPicPr>
+        <p:blipFill>
+          <a:blip r:embed="rId8"/>
+          <a:stretch>
+            <a:fillRect/>
+          </a:stretch>
+        </p:blipFill>
+        <p:spPr>
+          <a:xfrm>
+            <a:off x="4939665" y="104775"/>
+            <a:ext cx="11383645" cy="9665970"/>
+          </a:xfrm>
+          <a:prstGeom prst="rect">
+            <a:avLst/>
+          </a:prstGeom>
+        </p:spPr>
+      </p:pic>
     </p:spTree>
   </p:cSld>
   <p:clrMapOvr>
